--- a/Poster.pptx
+++ b/Poster.pptx
@@ -5736,7 +5736,7 @@
         </p:blipFill>
         <p:spPr>
           <a:xfrm>
-            <a:off x="23435156" y="7778615"/>
+            <a:off x="15142369" y="7778615"/>
             <a:ext cx="5295102" cy="4289230"/>
           </a:xfrm>
           <a:prstGeom prst="rect">
@@ -5759,7 +5759,7 @@
         </p:nvSpPr>
         <p:spPr>
           <a:xfrm>
-            <a:off x="23435156" y="12344808"/>
+            <a:off x="15142369" y="12206308"/>
             <a:ext cx="5729887" cy="646331"/>
           </a:xfrm>
           <a:prstGeom prst="rect">
@@ -5830,12 +5830,55 @@
           </a:p>
         </p:txBody>
       </p:sp>
-      <p:sp>
-        <p:nvSpPr>
-          <p:cNvPr id="32" name="TextBox 31">
-            <a:extLst>
-              <a:ext uri="{FF2B5EF4-FFF2-40B4-BE49-F238E27FC236}">
-                <a16:creationId xmlns:a16="http://schemas.microsoft.com/office/drawing/2014/main" id="{9C288FEA-AF1B-85D3-0743-E723341A4039}"/>
+      <p:pic>
+        <p:nvPicPr>
+          <p:cNvPr id="12" name="Picture 11" descr="A graph of different colored bars">
+            <a:extLst>
+              <a:ext uri="{FF2B5EF4-FFF2-40B4-BE49-F238E27FC236}">
+                <a16:creationId xmlns:a16="http://schemas.microsoft.com/office/drawing/2014/main" id="{F9D8EF60-CE8A-8131-173E-54DDEDB9BDA6}"/>
+              </a:ext>
+            </a:extLst>
+          </p:cNvPr>
+          <p:cNvPicPr>
+            <a:picLocks noChangeAspect="1"/>
+          </p:cNvPicPr>
+          <p:nvPr/>
+        </p:nvPicPr>
+        <p:blipFill>
+          <a:blip r:embed="rId12">
+            <a:extLst>
+              <a:ext uri="{28A0092B-C50C-407E-A947-70E740481C1C}">
+                <a14:useLocalDpi xmlns:a14="http://schemas.microsoft.com/office/drawing/2010/main" val="0"/>
+              </a:ext>
+            </a:extLst>
+          </a:blip>
+          <a:stretch>
+            <a:fillRect/>
+          </a:stretch>
+        </p:blipFill>
+        <p:spPr>
+          <a:xfrm>
+            <a:off x="14349705" y="13531173"/>
+            <a:ext cx="6522552" cy="4891914"/>
+          </a:xfrm>
+          <a:prstGeom prst="rect">
+            <a:avLst/>
+          </a:prstGeom>
+          <a:effectLst>
+            <a:outerShdw blurRad="63500" sx="102000" sy="102000" algn="ctr" rotWithShape="0">
+              <a:prstClr val="black">
+                <a:alpha val="40000"/>
+              </a:prstClr>
+            </a:outerShdw>
+          </a:effectLst>
+        </p:spPr>
+      </p:pic>
+      <p:sp>
+        <p:nvSpPr>
+          <p:cNvPr id="14" name="TextBox 13">
+            <a:extLst>
+              <a:ext uri="{FF2B5EF4-FFF2-40B4-BE49-F238E27FC236}">
+                <a16:creationId xmlns:a16="http://schemas.microsoft.com/office/drawing/2014/main" id="{65282C6A-05AA-8AE7-5205-E824DA337C40}"/>
               </a:ext>
             </a:extLst>
           </p:cNvPr>
@@ -5844,8 +5887,8 @@
         </p:nvSpPr>
         <p:spPr>
           <a:xfrm>
-            <a:off x="15355108" y="12344808"/>
-            <a:ext cx="5729887" cy="646331"/>
+            <a:off x="14349705" y="18669943"/>
+            <a:ext cx="6522551" cy="923330"/>
           </a:xfrm>
           <a:prstGeom prst="rect">
             <a:avLst/>
@@ -5862,7 +5905,7 @@
               <a:rPr lang="en-GB" dirty="0">
                 <a:latin typeface="Georgia Pro" panose="02040502050405020303" pitchFamily="18" charset="0"/>
               </a:rPr>
-              <a:t>Data Visualization and Preprocessing were instrumental to understanding data. </a:t>
+              <a:t>Generalization to Unseen Data: The Fully-Connected AE achieves the highest predictive performance (AUC 0.87), proving it captures robust, transferable features.</a:t>
             </a:r>
             <a:endParaRPr lang="en-ZA" dirty="0">
               <a:latin typeface="Georgia Pro" panose="02040502050405020303" pitchFamily="18" charset="0"/>
@@ -5870,6 +5913,125 @@
           </a:p>
         </p:txBody>
       </p:sp>
+      <p:pic>
+        <p:nvPicPr>
+          <p:cNvPr id="26" name="Picture 25" descr="A yellow and purple blot">
+            <a:extLst>
+              <a:ext uri="{FF2B5EF4-FFF2-40B4-BE49-F238E27FC236}">
+                <a16:creationId xmlns:a16="http://schemas.microsoft.com/office/drawing/2014/main" id="{634C101A-60F4-313C-0B06-E2D7309D0ECA}"/>
+              </a:ext>
+            </a:extLst>
+          </p:cNvPr>
+          <p:cNvPicPr>
+            <a:picLocks noChangeAspect="1"/>
+          </p:cNvPicPr>
+          <p:nvPr/>
+        </p:nvPicPr>
+        <p:blipFill>
+          <a:blip r:embed="rId13">
+            <a:extLst>
+              <a:ext uri="{28A0092B-C50C-407E-A947-70E740481C1C}">
+                <a14:useLocalDpi xmlns:a14="http://schemas.microsoft.com/office/drawing/2010/main" val="0"/>
+              </a:ext>
+            </a:extLst>
+          </a:blip>
+          <a:stretch>
+            <a:fillRect/>
+          </a:stretch>
+        </p:blipFill>
+        <p:spPr>
+          <a:xfrm>
+            <a:off x="23031824" y="7501652"/>
+            <a:ext cx="5707741" cy="4566193"/>
+          </a:xfrm>
+          <a:prstGeom prst="rect">
+            <a:avLst/>
+          </a:prstGeom>
+          <a:effectLst>
+            <a:outerShdw blurRad="63500" sx="102000" sy="102000" algn="ctr" rotWithShape="0">
+              <a:prstClr val="black">
+                <a:alpha val="40000"/>
+              </a:prstClr>
+            </a:outerShdw>
+          </a:effectLst>
+        </p:spPr>
+      </p:pic>
+      <p:sp>
+        <p:nvSpPr>
+          <p:cNvPr id="28" name="TextBox 27">
+            <a:extLst>
+              <a:ext uri="{FF2B5EF4-FFF2-40B4-BE49-F238E27FC236}">
+                <a16:creationId xmlns:a16="http://schemas.microsoft.com/office/drawing/2014/main" id="{D8FBB3EC-1785-AE9B-778A-D5C5282F74DB}"/>
+              </a:ext>
+            </a:extLst>
+          </p:cNvPr>
+          <p:cNvSpPr txBox="1"/>
+          <p:nvPr/>
+        </p:nvSpPr>
+        <p:spPr>
+          <a:xfrm>
+            <a:off x="22989146" y="12344808"/>
+            <a:ext cx="5750419" cy="923330"/>
+          </a:xfrm>
+          <a:prstGeom prst="rect">
+            <a:avLst/>
+          </a:prstGeom>
+          <a:noFill/>
+        </p:spPr>
+        <p:txBody>
+          <a:bodyPr wrap="square" rtlCol="0">
+            <a:spAutoFit/>
+          </a:bodyPr>
+          <a:lstStyle/>
+          <a:p>
+            <a:r>
+              <a:rPr lang="en-GB" dirty="0">
+                <a:latin typeface="Georgia Pro" panose="02040502050405020303" pitchFamily="18" charset="0"/>
+              </a:rPr>
+              <a:t>The t-SNE plot of the CNN-AE (the one with distinct islands). The CNN-AE separates biochemical profiles into distinct, clean clusters.</a:t>
+            </a:r>
+            <a:endParaRPr lang="en-ZA" dirty="0">
+              <a:latin typeface="Georgia Pro" panose="02040502050405020303" pitchFamily="18" charset="0"/>
+            </a:endParaRPr>
+          </a:p>
+        </p:txBody>
+      </p:sp>
+      <p:pic>
+        <p:nvPicPr>
+          <p:cNvPr id="35" name="Graphic 34">
+            <a:extLst>
+              <a:ext uri="{FF2B5EF4-FFF2-40B4-BE49-F238E27FC236}">
+                <a16:creationId xmlns:a16="http://schemas.microsoft.com/office/drawing/2014/main" id="{3AC3D1EB-05E8-2574-C85B-0226F9E19179}"/>
+              </a:ext>
+            </a:extLst>
+          </p:cNvPr>
+          <p:cNvPicPr>
+            <a:picLocks noChangeAspect="1"/>
+          </p:cNvPicPr>
+          <p:nvPr/>
+        </p:nvPicPr>
+        <p:blipFill>
+          <a:blip r:embed="rId14">
+            <a:extLst>
+              <a:ext uri="{96DAC541-7B7A-43D3-8B79-37D633B846F1}">
+                <asvg:svgBlip xmlns:asvg="http://schemas.microsoft.com/office/drawing/2016/SVG/main" r:embed="rId15"/>
+              </a:ext>
+            </a:extLst>
+          </a:blip>
+          <a:stretch>
+            <a:fillRect/>
+          </a:stretch>
+        </p:blipFill>
+        <p:spPr>
+          <a:xfrm>
+            <a:off x="23671054" y="13531172"/>
+            <a:ext cx="4439413" cy="4891915"/>
+          </a:xfrm>
+          <a:prstGeom prst="rect">
+            <a:avLst/>
+          </a:prstGeom>
+        </p:spPr>
+      </p:pic>
     </p:spTree>
   </p:cSld>
   <p:clrMapOvr>

--- a/Poster.pptx
+++ b/Poster.pptx
@@ -116,6 +116,15 @@
     </p:ext>
   </p:extLst>
 </p:presentation>
+</file>
+
+<file path=ppt/revisionInfo.xml><?xml version="1.0" encoding="utf-8"?>
+<p1510:revInfo xmlns:a="http://schemas.openxmlformats.org/drawingml/2006/main" xmlns:r="http://schemas.openxmlformats.org/officeDocument/2006/relationships" xmlns:p1510="http://schemas.microsoft.com/office/powerpoint/2015/10/main">
+  <p1510:revLst>
+    <p1510:client id="{C624CC25-2D0E-730A-C0D0-D0DC1F068D96}" v="184" dt="2025-11-26T15:33:18.815"/>
+    <p1510:client id="{D468FD13-4E31-B4D5-10E5-62EC8D34EBED}" v="3" dt="2025-11-26T14:56:58.449"/>
+  </p1510:revLst>
+</p1510:revInfo>
 </file>
 
 <file path=ppt/handoutMasters/handoutMaster1.xml><?xml version="1.0" encoding="utf-8"?>
@@ -4469,50 +4478,6 @@
           </a:p>
         </p:txBody>
       </p:sp>
-      <p:pic>
-        <p:nvPicPr>
-          <p:cNvPr id="5" name="Graphic 4">
-            <a:extLst>
-              <a:ext uri="{FF2B5EF4-FFF2-40B4-BE49-F238E27FC236}">
-                <a16:creationId xmlns:a16="http://schemas.microsoft.com/office/drawing/2014/main" id="{371A014E-A79D-92A1-9C42-CFD1C04802DC}"/>
-              </a:ext>
-            </a:extLst>
-          </p:cNvPr>
-          <p:cNvPicPr>
-            <a:picLocks noChangeAspect="1"/>
-          </p:cNvPicPr>
-          <p:nvPr/>
-        </p:nvPicPr>
-        <p:blipFill>
-          <a:blip r:embed="rId3">
-            <a:lum/>
-            <a:alphaModFix amt="10000"/>
-            <a:grayscl/>
-            <a:extLst>
-              <a:ext uri="{96DAC541-7B7A-43D3-8B79-37D633B846F1}">
-                <asvg:svgBlip xmlns:asvg="http://schemas.microsoft.com/office/drawing/2016/SVG/main" r:embed="rId4"/>
-              </a:ext>
-            </a:extLst>
-          </a:blip>
-          <a:srcRect/>
-          <a:stretch>
-            <a:fillRect/>
-          </a:stretch>
-        </p:blipFill>
-        <p:spPr>
-          <a:xfrm>
-            <a:off x="11445240" y="457200"/>
-            <a:ext cx="5806440" cy="5806440"/>
-          </a:xfrm>
-          <a:prstGeom prst="rect">
-            <a:avLst/>
-          </a:prstGeom>
-          <a:noFill/>
-          <a:ln>
-            <a:noFill/>
-          </a:ln>
-        </p:spPr>
-      </p:pic>
       <p:sp>
         <p:nvSpPr>
           <p:cNvPr id="8" name="TextBox 7">
@@ -4542,7 +4507,7 @@
           <a:lstStyle/>
           <a:p>
             <a:r>
-              <a:rPr lang="en-GB" sz="7000" dirty="0">
+              <a:rPr lang="en-GB" sz="7000">
                 <a:solidFill>
                   <a:schemeClr val="bg1"/>
                 </a:solidFill>
@@ -4551,7 +4516,7 @@
               </a:rPr>
               <a:t>Can neural networks extract biological information from mass spectrometry data?</a:t>
             </a:r>
-            <a:endParaRPr lang="en-ZA" sz="7000" dirty="0">
+            <a:endParaRPr lang="en-ZA" sz="7000">
               <a:solidFill>
                 <a:schemeClr val="bg1"/>
               </a:solidFill>
@@ -4614,7 +4579,7 @@
           <a:lstStyle/>
           <a:p>
             <a:r>
-              <a:rPr lang="en-ZA" sz="4000" dirty="0">
+              <a:rPr lang="en-ZA" sz="4000">
                 <a:solidFill>
                   <a:schemeClr val="bg1"/>
                 </a:solidFill>
@@ -4678,7 +4643,7 @@
           <a:lstStyle/>
           <a:p>
             <a:r>
-              <a:rPr lang="en-ZA" sz="4000" dirty="0">
+              <a:rPr lang="en-ZA" sz="4000">
                 <a:solidFill>
                   <a:schemeClr val="bg1"/>
                 </a:solidFill>
@@ -4703,7 +4668,7 @@
         </p:nvSpPr>
         <p:spPr>
           <a:xfrm>
-            <a:off x="-406620" y="14988179"/>
+            <a:off x="-406620" y="14449390"/>
             <a:ext cx="4856700" cy="1005840"/>
           </a:xfrm>
           <a:prstGeom prst="roundRect">
@@ -4742,7 +4707,7 @@
           <a:lstStyle/>
           <a:p>
             <a:r>
-              <a:rPr lang="en-ZA" sz="4000" dirty="0">
+              <a:rPr lang="en-ZA" sz="4000">
                 <a:solidFill>
                   <a:schemeClr val="bg1"/>
                 </a:solidFill>
@@ -4768,11 +4733,11 @@
           <p:nvPr/>
         </p:nvPicPr>
         <p:blipFill>
-          <a:blip r:embed="rId5">
+          <a:blip r:embed="rId3">
             <a:extLst>
               <a:ext uri="{BEBA8EAE-BF5A-486C-A8C5-ECC9F3942E4B}">
                 <a14:imgProps xmlns:a14="http://schemas.microsoft.com/office/drawing/2010/main">
-                  <a14:imgLayer r:embed="rId6">
+                  <a14:imgLayer r:embed="rId4">
                     <a14:imgEffect>
                       <a14:backgroundRemoval t="10000" b="90000" l="10000" r="90000">
                         <a14:foregroundMark x1="48805" y1="37730" x2="48805" y2="37730"/>
@@ -4829,7 +4794,7 @@
           <p:nvPr/>
         </p:nvPicPr>
         <p:blipFill>
-          <a:blip r:embed="rId7">
+          <a:blip r:embed="rId5">
             <a:extLst>
               <a:ext uri="{28A0092B-C50C-407E-A947-70E740481C1C}">
                 <a14:useLocalDpi xmlns:a14="http://schemas.microsoft.com/office/drawing/2010/main" val="0"/>
@@ -4879,7 +4844,7 @@
           <a:lstStyle/>
           <a:p>
             <a:r>
-              <a:rPr lang="en-ZA" sz="2500" dirty="0">
+              <a:rPr lang="en-ZA" sz="2500">
                 <a:solidFill>
                   <a:schemeClr val="bg2">
                     <a:lumMod val="50000"/>
@@ -4892,7 +4857,7 @@
           </a:p>
           <a:p>
             <a:r>
-              <a:rPr lang="en-ZA" sz="3500" dirty="0">
+              <a:rPr lang="en-ZA" sz="3500">
                 <a:latin typeface="Georgia Pro" panose="02040502050405020303" pitchFamily="18" charset="0"/>
               </a:rPr>
               <a:t>Tapiwa Mazarura</a:t>
@@ -4929,7 +4894,7 @@
           <a:lstStyle/>
           <a:p>
             <a:r>
-              <a:rPr lang="en-ZA" sz="2000" dirty="0">
+              <a:rPr lang="en-ZA" sz="2000">
                 <a:solidFill>
                   <a:schemeClr val="bg2">
                     <a:lumMod val="50000"/>
@@ -4942,7 +4907,7 @@
           </a:p>
           <a:p>
             <a:r>
-              <a:rPr lang="en-ZA" sz="2300" dirty="0">
+              <a:rPr lang="en-ZA" sz="2300">
                 <a:latin typeface="Georgia Pro" panose="02040502050405020303" pitchFamily="18" charset="0"/>
               </a:rPr>
               <a:t>	Dr Devon Jarvis</a:t>
@@ -4950,7 +4915,7 @@
           </a:p>
           <a:p>
             <a:r>
-              <a:rPr lang="en-ZA" sz="2300" dirty="0">
+              <a:rPr lang="en-ZA" sz="2300">
                 <a:latin typeface="Georgia Pro" panose="02040502050405020303" pitchFamily="18" charset="0"/>
               </a:rPr>
               <a:t>	Dr Hairong Bau</a:t>
@@ -4973,7 +4938,7 @@
           <p:nvPr/>
         </p:nvPicPr>
         <p:blipFill>
-          <a:blip r:embed="rId8">
+          <a:blip r:embed="rId6">
             <a:extLst>
               <a:ext uri="{28A0092B-C50C-407E-A947-70E740481C1C}">
                 <a14:useLocalDpi xmlns:a14="http://schemas.microsoft.com/office/drawing/2010/main" val="0"/>
@@ -5076,7 +5041,7 @@
               <a:tabLst/>
             </a:pPr>
             <a:r>
-              <a:rPr kumimoji="0" lang="en-US" altLang="en-US" sz="2000" b="1" i="0" u="none" strike="noStrike" cap="none" normalizeH="0" baseline="0" dirty="0">
+              <a:rPr kumimoji="0" lang="en-US" altLang="en-US" sz="2000" b="1" i="0" u="none" strike="noStrike" cap="none" normalizeH="0" baseline="0">
                 <a:ln>
                   <a:noFill/>
                 </a:ln>
@@ -5089,7 +5054,7 @@
               <a:t>The Promise:</a:t>
             </a:r>
             <a:r>
-              <a:rPr kumimoji="0" lang="en-US" altLang="en-US" sz="2000" b="0" i="0" u="none" strike="noStrike" cap="none" normalizeH="0" baseline="0" dirty="0">
+              <a:rPr kumimoji="0" lang="en-US" altLang="en-US" sz="2000" b="0" i="0" u="none" strike="noStrike" cap="none" normalizeH="0" baseline="0">
                 <a:ln>
                   <a:noFill/>
                 </a:ln>
@@ -5120,7 +5085,7 @@
               <a:tabLst/>
             </a:pPr>
             <a:r>
-              <a:rPr kumimoji="0" lang="en-US" altLang="en-US" sz="2000" b="1" i="0" u="none" strike="noStrike" cap="none" normalizeH="0" baseline="0" dirty="0">
+              <a:rPr kumimoji="0" lang="en-US" altLang="en-US" sz="2000" b="1" i="0" u="none" strike="noStrike" cap="none" normalizeH="0" baseline="0">
                 <a:ln>
                   <a:noFill/>
                 </a:ln>
@@ -5133,7 +5098,7 @@
               <a:t>The Data Structure:</a:t>
             </a:r>
             <a:r>
-              <a:rPr kumimoji="0" lang="en-US" altLang="en-US" sz="2000" b="0" i="0" u="none" strike="noStrike" cap="none" normalizeH="0" baseline="0" dirty="0">
+              <a:rPr kumimoji="0" lang="en-US" altLang="en-US" sz="2000" b="0" i="0" u="none" strike="noStrike" cap="none" normalizeH="0" baseline="0">
                 <a:ln>
                   <a:noFill/>
                 </a:ln>
@@ -5146,7 +5111,7 @@
               <a:t> Imagine a digital image, but instead of just Red, Green, and Blue, every single pixel contains a spectrum of thousands of chemical values. This creates a massive </a:t>
             </a:r>
             <a:r>
-              <a:rPr kumimoji="0" lang="en-US" altLang="en-US" sz="2000" b="1" i="0" u="none" strike="noStrike" cap="none" normalizeH="0" baseline="0" dirty="0">
+              <a:rPr kumimoji="0" lang="en-US" altLang="en-US" sz="2000" b="1" i="0" u="none" strike="noStrike" cap="none" normalizeH="0" baseline="0">
                 <a:ln>
                   <a:noFill/>
                 </a:ln>
@@ -5159,7 +5124,7 @@
               <a:t>3D Data Cube</a:t>
             </a:r>
             <a:r>
-              <a:rPr kumimoji="0" lang="en-US" altLang="en-US" sz="2000" b="0" i="0" u="none" strike="noStrike" cap="none" normalizeH="0" baseline="0" dirty="0">
+              <a:rPr kumimoji="0" lang="en-US" altLang="en-US" sz="2000" b="0" i="0" u="none" strike="noStrike" cap="none" normalizeH="0" baseline="0">
                 <a:ln>
                   <a:noFill/>
                 </a:ln>
@@ -5190,7 +5155,7 @@
               <a:tabLst/>
             </a:pPr>
             <a:r>
-              <a:rPr kumimoji="0" lang="en-US" altLang="en-US" sz="2000" b="1" i="0" u="none" strike="noStrike" cap="none" normalizeH="0" baseline="0" dirty="0">
+              <a:rPr kumimoji="0" lang="en-US" altLang="en-US" sz="2000" b="1" i="0" u="none" strike="noStrike" cap="none" normalizeH="0" baseline="0">
                 <a:ln>
                   <a:noFill/>
                 </a:ln>
@@ -5203,7 +5168,7 @@
               <a:t>The Bottleneck:</a:t>
             </a:r>
             <a:r>
-              <a:rPr kumimoji="0" lang="en-US" altLang="en-US" sz="2000" b="0" i="0" u="none" strike="noStrike" cap="none" normalizeH="0" baseline="0" dirty="0">
+              <a:rPr kumimoji="0" lang="en-US" altLang="en-US" sz="2000" b="0" i="0" u="none" strike="noStrike" cap="none" normalizeH="0" baseline="0">
                 <a:ln>
                   <a:noFill/>
                 </a:ln>
@@ -5233,7 +5198,7 @@
           <p:nvPr/>
         </p:nvPicPr>
         <p:blipFill>
-          <a:blip r:embed="rId9">
+          <a:blip r:embed="rId7">
             <a:extLst>
               <a:ext uri="{28A0092B-C50C-407E-A947-70E740481C1C}">
                 <a14:useLocalDpi xmlns:a14="http://schemas.microsoft.com/office/drawing/2010/main" val="0"/>
@@ -5246,7 +5211,7 @@
         </p:blipFill>
         <p:spPr>
           <a:xfrm>
-            <a:off x="7004447" y="19593274"/>
+            <a:off x="27041934" y="19593274"/>
             <a:ext cx="1672158" cy="1672158"/>
           </a:xfrm>
           <a:prstGeom prst="rect">
@@ -5335,7 +5300,7 @@
               <a:buNone/>
               <a:tabLst/>
             </a:pPr>
-            <a:endParaRPr kumimoji="0" lang="en-US" altLang="en-US" sz="2000" b="0" i="0" u="none" strike="noStrike" cap="none" normalizeH="0" baseline="0" dirty="0">
+            <a:endParaRPr kumimoji="0" lang="en-US" altLang="en-US" sz="2000" b="0" i="0" u="none" strike="noStrike" cap="none" normalizeH="0" baseline="0">
               <a:ln>
                 <a:noFill/>
               </a:ln>
@@ -5364,7 +5329,7 @@
               <a:tabLst/>
             </a:pPr>
             <a:r>
-              <a:rPr kumimoji="0" lang="en-US" altLang="en-US" sz="2000" b="1" i="0" u="none" strike="noStrike" cap="none" normalizeH="0" baseline="0" dirty="0">
+              <a:rPr kumimoji="0" lang="en-US" altLang="en-US" sz="2000" b="1" i="0" u="none" strike="noStrike" cap="none" normalizeH="0" baseline="0">
                 <a:ln>
                   <a:noFill/>
                 </a:ln>
@@ -5377,7 +5342,7 @@
               <a:t>Preprocessing:</a:t>
             </a:r>
             <a:r>
-              <a:rPr kumimoji="0" lang="en-US" altLang="en-US" sz="2000" b="0" i="0" u="none" strike="noStrike" cap="none" normalizeH="0" baseline="0" dirty="0">
+              <a:rPr kumimoji="0" lang="en-US" altLang="en-US" sz="2000" b="0" i="0" u="none" strike="noStrike" cap="none" normalizeH="0" baseline="0">
                 <a:ln>
                   <a:noFill/>
                 </a:ln>
@@ -5408,7 +5373,7 @@
               <a:tabLst/>
             </a:pPr>
             <a:r>
-              <a:rPr kumimoji="0" lang="en-US" altLang="en-US" sz="2000" b="1" i="0" u="none" strike="noStrike" cap="none" normalizeH="0" baseline="0" dirty="0">
+              <a:rPr kumimoji="0" lang="en-US" altLang="en-US" sz="2000" b="1" i="0" u="none" strike="noStrike" cap="none" normalizeH="0" baseline="0">
                 <a:ln>
                   <a:noFill/>
                 </a:ln>
@@ -5421,7 +5386,7 @@
               <a:t>The Contenders:</a:t>
             </a:r>
             <a:r>
-              <a:rPr kumimoji="0" lang="en-US" altLang="en-US" sz="2000" b="0" i="0" u="none" strike="noStrike" cap="none" normalizeH="0" baseline="0" dirty="0">
+              <a:rPr kumimoji="0" lang="en-US" altLang="en-US" sz="2000" b="0" i="0" u="none" strike="noStrike" cap="none" normalizeH="0" baseline="0">
                 <a:ln>
                   <a:noFill/>
                 </a:ln>
@@ -5452,7 +5417,7 @@
               <a:tabLst/>
             </a:pPr>
             <a:r>
-              <a:rPr kumimoji="0" lang="en-US" altLang="en-US" sz="2000" b="0" i="1" u="none" strike="noStrike" cap="none" normalizeH="0" baseline="0" dirty="0">
+              <a:rPr kumimoji="0" lang="en-US" altLang="en-US" sz="2000" b="0" i="1" u="none" strike="noStrike" cap="none" normalizeH="0" baseline="0">
                 <a:ln>
                   <a:noFill/>
                 </a:ln>
@@ -5465,7 +5430,7 @@
               <a:t>Baselines:</a:t>
             </a:r>
             <a:r>
-              <a:rPr kumimoji="0" lang="en-US" altLang="en-US" sz="2000" b="0" i="0" u="none" strike="noStrike" cap="none" normalizeH="0" baseline="0" dirty="0">
+              <a:rPr kumimoji="0" lang="en-US" altLang="en-US" sz="2000" b="0" i="0" u="none" strike="noStrike" cap="none" normalizeH="0" baseline="0">
                 <a:ln>
                   <a:noFill/>
                 </a:ln>
@@ -5496,7 +5461,7 @@
               <a:tabLst/>
             </a:pPr>
             <a:r>
-              <a:rPr kumimoji="0" lang="en-US" altLang="en-US" sz="2000" b="0" i="1" u="none" strike="noStrike" cap="none" normalizeH="0" baseline="0" dirty="0">
+              <a:rPr kumimoji="0" lang="en-US" altLang="en-US" sz="2000" b="0" i="1" u="none" strike="noStrike" cap="none" normalizeH="0" baseline="0">
                 <a:ln>
                   <a:noFill/>
                 </a:ln>
@@ -5509,7 +5474,7 @@
               <a:t>Challengers:</a:t>
             </a:r>
             <a:r>
-              <a:rPr kumimoji="0" lang="en-US" altLang="en-US" sz="2000" b="0" i="0" u="none" strike="noStrike" cap="none" normalizeH="0" baseline="0" dirty="0">
+              <a:rPr kumimoji="0" lang="en-US" altLang="en-US" sz="2000" b="0" i="0" u="none" strike="noStrike" cap="none" normalizeH="0" baseline="0">
                 <a:ln>
                   <a:noFill/>
                 </a:ln>
@@ -5540,7 +5505,7 @@
               <a:tabLst/>
             </a:pPr>
             <a:r>
-              <a:rPr kumimoji="0" lang="en-US" altLang="en-US" sz="2000" b="1" i="0" u="none" strike="noStrike" cap="none" normalizeH="0" baseline="0" dirty="0">
+              <a:rPr kumimoji="0" lang="en-US" altLang="en-US" sz="2000" b="1" i="0" u="none" strike="noStrike" cap="none" normalizeH="0" baseline="0">
                 <a:ln>
                   <a:noFill/>
                 </a:ln>
@@ -5553,7 +5518,7 @@
               <a:t>The Strategy:</a:t>
             </a:r>
             <a:r>
-              <a:rPr kumimoji="0" lang="en-US" altLang="en-US" sz="2000" b="0" i="0" u="none" strike="noStrike" cap="none" normalizeH="0" baseline="0" dirty="0">
+              <a:rPr kumimoji="0" lang="en-US" altLang="en-US" sz="2000" b="0" i="0" u="none" strike="noStrike" cap="none" normalizeH="0" baseline="0">
                 <a:ln>
                   <a:noFill/>
                 </a:ln>
@@ -5566,7 +5531,7 @@
               <a:t> We trained the Neural Networks to compress the spectra into a tiny "latent space" (200 features) and then reconstruct them. We used a special </a:t>
             </a:r>
             <a:r>
-              <a:rPr kumimoji="0" lang="en-US" altLang="en-US" sz="2000" b="1" i="0" u="none" strike="noStrike" cap="none" normalizeH="0" baseline="0" dirty="0">
+              <a:rPr kumimoji="0" lang="en-US" altLang="en-US" sz="2000" b="1" i="0" u="none" strike="noStrike" cap="none" normalizeH="0" baseline="0">
                 <a:ln>
                   <a:noFill/>
                 </a:ln>
@@ -5579,7 +5544,7 @@
               <a:t>Weighted MSE Loss</a:t>
             </a:r>
             <a:r>
-              <a:rPr kumimoji="0" lang="en-US" altLang="en-US" sz="2000" b="0" i="0" u="none" strike="noStrike" cap="none" normalizeH="0" baseline="0" dirty="0">
+              <a:rPr kumimoji="0" lang="en-US" altLang="en-US" sz="2000" b="0" i="0" u="none" strike="noStrike" cap="none" normalizeH="0" baseline="0">
                 <a:ln>
                   <a:noFill/>
                 </a:ln>
@@ -5609,7 +5574,7 @@
               <a:buNone/>
               <a:tabLst/>
             </a:pPr>
-            <a:endParaRPr kumimoji="0" lang="en-US" altLang="en-US" sz="2000" b="0" i="0" u="none" strike="noStrike" cap="none" normalizeH="0" baseline="0" dirty="0">
+            <a:endParaRPr kumimoji="0" lang="en-US" altLang="en-US" sz="2000" b="0" i="0" u="none" strike="noStrike" cap="none" normalizeH="0" baseline="0">
               <a:ln>
                 <a:noFill/>
               </a:ln>
@@ -5637,7 +5602,7 @@
           <p:nvPr/>
         </p:nvPicPr>
         <p:blipFill>
-          <a:blip r:embed="rId10">
+          <a:blip r:embed="rId8">
             <a:extLst>
               <a:ext uri="{28A0092B-C50C-407E-A947-70E740481C1C}">
                 <a14:useLocalDpi xmlns:a14="http://schemas.microsoft.com/office/drawing/2010/main" val="0"/>
@@ -5650,7 +5615,7 @@
         </p:blipFill>
         <p:spPr>
           <a:xfrm>
-            <a:off x="7275060" y="7778615"/>
+            <a:off x="7275060" y="7606202"/>
             <a:ext cx="5729887" cy="4289230"/>
           </a:xfrm>
           <a:prstGeom prst="rect">
@@ -5682,7 +5647,7 @@
         </p:nvSpPr>
         <p:spPr>
           <a:xfrm>
-            <a:off x="7275060" y="12344808"/>
+            <a:off x="7275060" y="12172395"/>
             <a:ext cx="5729887" cy="369332"/>
           </a:xfrm>
           <a:prstGeom prst="rect">
@@ -5697,12 +5662,12 @@
           <a:lstStyle/>
           <a:p>
             <a:r>
-              <a:rPr lang="en-GB" dirty="0">
+              <a:rPr lang="en-GB">
                 <a:latin typeface="Georgia Pro" panose="02040502050405020303" pitchFamily="18" charset="0"/>
               </a:rPr>
               <a:t>Raw cancer tissue section at m/z ratio 390 Da. </a:t>
             </a:r>
-            <a:endParaRPr lang="en-ZA" dirty="0">
+            <a:endParaRPr lang="en-ZA">
               <a:latin typeface="Georgia Pro" panose="02040502050405020303" pitchFamily="18" charset="0"/>
             </a:endParaRPr>
           </a:p>
@@ -5723,7 +5688,7 @@
           <p:nvPr/>
         </p:nvPicPr>
         <p:blipFill>
-          <a:blip r:embed="rId11">
+          <a:blip r:embed="rId9">
             <a:extLst>
               <a:ext uri="{28A0092B-C50C-407E-A947-70E740481C1C}">
                 <a14:useLocalDpi xmlns:a14="http://schemas.microsoft.com/office/drawing/2010/main" val="0"/>
@@ -5736,7 +5701,7 @@
         </p:blipFill>
         <p:spPr>
           <a:xfrm>
-            <a:off x="15142369" y="7778615"/>
+            <a:off x="15142369" y="7606202"/>
             <a:ext cx="5295102" cy="4289230"/>
           </a:xfrm>
           <a:prstGeom prst="rect">
@@ -5759,7 +5724,7 @@
         </p:nvSpPr>
         <p:spPr>
           <a:xfrm>
-            <a:off x="15142369" y="12206308"/>
+            <a:off x="15142369" y="12033895"/>
             <a:ext cx="5729887" cy="646331"/>
           </a:xfrm>
           <a:prstGeom prst="rect">
@@ -5774,13 +5739,13 @@
           <a:lstStyle/>
           <a:p>
             <a:r>
-              <a:rPr lang="en-GB" dirty="0">
+              <a:rPr lang="en-GB">
                 <a:latin typeface="Georgia Pro" panose="02040502050405020303" pitchFamily="18" charset="0"/>
               </a:rPr>
               <a:t>Autoencoder architecture (</a:t>
             </a:r>
             <a:r>
-              <a:rPr lang="en-GB" dirty="0">
+              <a:rPr lang="en-GB">
                 <a:solidFill>
                   <a:srgbClr val="C00000"/>
                 </a:solidFill>
@@ -5789,13 +5754,13 @@
               <a:t>Encoder </a:t>
             </a:r>
             <a:r>
-              <a:rPr lang="en-GB" dirty="0">
+              <a:rPr lang="en-GB">
                 <a:latin typeface="Georgia Pro" panose="02040502050405020303" pitchFamily="18" charset="0"/>
               </a:rPr>
               <a:t>-&gt; </a:t>
             </a:r>
             <a:r>
-              <a:rPr lang="en-GB" dirty="0">
+              <a:rPr lang="en-GB">
                 <a:solidFill>
                   <a:srgbClr val="0070C0"/>
                 </a:solidFill>
@@ -5804,13 +5769,13 @@
               <a:t>Latent Space</a:t>
             </a:r>
             <a:r>
-              <a:rPr lang="en-GB" dirty="0">
+              <a:rPr lang="en-GB">
                 <a:latin typeface="Georgia Pro" panose="02040502050405020303" pitchFamily="18" charset="0"/>
               </a:rPr>
               <a:t> -&gt; </a:t>
             </a:r>
             <a:r>
-              <a:rPr lang="en-GB" dirty="0">
+              <a:rPr lang="en-GB">
                 <a:solidFill>
                   <a:srgbClr val="00B050"/>
                 </a:solidFill>
@@ -5819,12 +5784,12 @@
               <a:t>Decoder</a:t>
             </a:r>
             <a:r>
-              <a:rPr lang="en-GB" dirty="0">
+              <a:rPr lang="en-GB">
                 <a:latin typeface="Georgia Pro" panose="02040502050405020303" pitchFamily="18" charset="0"/>
               </a:rPr>
               <a:t>) </a:t>
             </a:r>
-            <a:endParaRPr lang="en-ZA" dirty="0">
+            <a:endParaRPr lang="en-ZA">
               <a:latin typeface="Georgia Pro" panose="02040502050405020303" pitchFamily="18" charset="0"/>
             </a:endParaRPr>
           </a:p>
@@ -5845,7 +5810,7 @@
           <p:nvPr/>
         </p:nvPicPr>
         <p:blipFill>
-          <a:blip r:embed="rId12">
+          <a:blip r:embed="rId10">
             <a:extLst>
               <a:ext uri="{28A0092B-C50C-407E-A947-70E740481C1C}">
                 <a14:useLocalDpi xmlns:a14="http://schemas.microsoft.com/office/drawing/2010/main" val="0"/>
@@ -5858,8 +5823,8 @@
         </p:blipFill>
         <p:spPr>
           <a:xfrm>
-            <a:off x="14349705" y="13531173"/>
-            <a:ext cx="6522552" cy="4891914"/>
+            <a:off x="15146895" y="13358760"/>
+            <a:ext cx="6199227" cy="4654744"/>
           </a:xfrm>
           <a:prstGeom prst="rect">
             <a:avLst/>
@@ -5887,7 +5852,7 @@
         </p:nvSpPr>
         <p:spPr>
           <a:xfrm>
-            <a:off x="14349705" y="18669943"/>
+            <a:off x="15125350" y="18346669"/>
             <a:ext cx="6522551" cy="923330"/>
           </a:xfrm>
           <a:prstGeom prst="rect">
@@ -5902,12 +5867,12 @@
           <a:lstStyle/>
           <a:p>
             <a:r>
-              <a:rPr lang="en-GB" dirty="0">
+              <a:rPr lang="en-GB">
                 <a:latin typeface="Georgia Pro" panose="02040502050405020303" pitchFamily="18" charset="0"/>
               </a:rPr>
               <a:t>Generalization to Unseen Data: The Fully-Connected AE achieves the highest predictive performance (AUC 0.87), proving it captures robust, transferable features.</a:t>
             </a:r>
-            <a:endParaRPr lang="en-ZA" dirty="0">
+            <a:endParaRPr lang="en-ZA">
               <a:latin typeface="Georgia Pro" panose="02040502050405020303" pitchFamily="18" charset="0"/>
             </a:endParaRPr>
           </a:p>
@@ -5928,7 +5893,7 @@
           <p:nvPr/>
         </p:nvPicPr>
         <p:blipFill>
-          <a:blip r:embed="rId13">
+          <a:blip r:embed="rId11">
             <a:extLst>
               <a:ext uri="{28A0092B-C50C-407E-A947-70E740481C1C}">
                 <a14:useLocalDpi xmlns:a14="http://schemas.microsoft.com/office/drawing/2010/main" val="0"/>
@@ -5941,7 +5906,7 @@
         </p:blipFill>
         <p:spPr>
           <a:xfrm>
-            <a:off x="23031824" y="7501652"/>
+            <a:off x="23031824" y="7329239"/>
             <a:ext cx="5707741" cy="4566193"/>
           </a:xfrm>
           <a:prstGeom prst="rect">
@@ -5970,7 +5935,7 @@
         </p:nvSpPr>
         <p:spPr>
           <a:xfrm>
-            <a:off x="22989146" y="12344808"/>
+            <a:off x="22989146" y="12172395"/>
             <a:ext cx="5750419" cy="923330"/>
           </a:xfrm>
           <a:prstGeom prst="rect">
@@ -5985,12 +5950,12 @@
           <a:lstStyle/>
           <a:p>
             <a:r>
-              <a:rPr lang="en-GB" dirty="0">
+              <a:rPr lang="en-GB">
                 <a:latin typeface="Georgia Pro" panose="02040502050405020303" pitchFamily="18" charset="0"/>
               </a:rPr>
               <a:t>The t-SNE plot of the CNN-AE (the one with distinct islands). The CNN-AE separates biochemical profiles into distinct, clean clusters.</a:t>
             </a:r>
-            <a:endParaRPr lang="en-ZA" dirty="0">
+            <a:endParaRPr lang="en-ZA">
               <a:latin typeface="Georgia Pro" panose="02040502050405020303" pitchFamily="18" charset="0"/>
             </a:endParaRPr>
           </a:p>
@@ -6002,6 +5967,270 @@
             <a:extLst>
               <a:ext uri="{FF2B5EF4-FFF2-40B4-BE49-F238E27FC236}">
                 <a16:creationId xmlns:a16="http://schemas.microsoft.com/office/drawing/2014/main" id="{3AC3D1EB-05E8-2574-C85B-0226F9E19179}"/>
+              </a:ext>
+            </a:extLst>
+          </p:cNvPr>
+          <p:cNvPicPr>
+            <a:picLocks noChangeAspect="1"/>
+          </p:cNvPicPr>
+          <p:nvPr/>
+        </p:nvPicPr>
+        <p:blipFill>
+          <a:blip r:embed="rId12">
+            <a:extLst>
+              <a:ext uri="{96DAC541-7B7A-43D3-8B79-37D633B846F1}">
+                <asvg:svgBlip xmlns:asvg="http://schemas.microsoft.com/office/drawing/2016/SVG/main" r:embed="rId13"/>
+              </a:ext>
+            </a:extLst>
+          </a:blip>
+          <a:stretch>
+            <a:fillRect/>
+          </a:stretch>
+        </p:blipFill>
+        <p:spPr>
+          <a:xfrm>
+            <a:off x="23671054" y="13358759"/>
+            <a:ext cx="4439413" cy="4891915"/>
+          </a:xfrm>
+          <a:prstGeom prst="rect">
+            <a:avLst/>
+          </a:prstGeom>
+        </p:spPr>
+      </p:pic>
+      <p:sp>
+        <p:nvSpPr>
+          <p:cNvPr id="4" name="TextBox 3">
+            <a:extLst>
+              <a:ext uri="{FF2B5EF4-FFF2-40B4-BE49-F238E27FC236}">
+                <a16:creationId xmlns:a16="http://schemas.microsoft.com/office/drawing/2014/main" id="{CEF5DBB6-D927-94E0-A476-239B77D1EDA0}"/>
+              </a:ext>
+            </a:extLst>
+          </p:cNvPr>
+          <p:cNvSpPr txBox="1"/>
+          <p:nvPr/>
+        </p:nvSpPr>
+        <p:spPr>
+          <a:xfrm>
+            <a:off x="23041859" y="18489125"/>
+            <a:ext cx="6062998" cy="646331"/>
+          </a:xfrm>
+          <a:prstGeom prst="rect">
+            <a:avLst/>
+          </a:prstGeom>
+          <a:noFill/>
+        </p:spPr>
+        <p:txBody>
+          <a:bodyPr rot="0" spcFirstLastPara="0" vertOverflow="overflow" horzOverflow="overflow" vert="horz" wrap="square" lIns="91440" tIns="45720" rIns="91440" bIns="45720" numCol="1" spcCol="0" rtlCol="0" fromWordArt="0" anchor="t" anchorCtr="0" forceAA="0" compatLnSpc="1">
+            <a:prstTxWarp prst="textNoShape">
+              <a:avLst/>
+            </a:prstTxWarp>
+            <a:spAutoFit/>
+          </a:bodyPr>
+          <a:lstStyle/>
+          <a:p>
+            <a:r>
+              <a:rPr lang="en-US" dirty="0">
+                <a:latin typeface="Georgia Pro"/>
+                <a:ea typeface="+mn-lt"/>
+                <a:cs typeface="+mn-lt"/>
+              </a:rPr>
+              <a:t>The first deep representation learning benchmark for MSI in the African context!</a:t>
+            </a:r>
+            <a:endParaRPr lang="en-US" dirty="0">
+              <a:latin typeface="Georgia Pro"/>
+            </a:endParaRPr>
+          </a:p>
+        </p:txBody>
+      </p:sp>
+      <p:sp>
+        <p:nvSpPr>
+          <p:cNvPr id="18" name="TextBox 17">
+            <a:extLst>
+              <a:ext uri="{FF2B5EF4-FFF2-40B4-BE49-F238E27FC236}">
+                <a16:creationId xmlns:a16="http://schemas.microsoft.com/office/drawing/2014/main" id="{B66FB954-0F58-D30E-8F7F-A6A1D2D123FF}"/>
+              </a:ext>
+            </a:extLst>
+          </p:cNvPr>
+          <p:cNvSpPr txBox="1"/>
+          <p:nvPr/>
+        </p:nvSpPr>
+        <p:spPr>
+          <a:xfrm>
+            <a:off x="129298" y="15730258"/>
+            <a:ext cx="6356775" cy="4708981"/>
+          </a:xfrm>
+          <a:prstGeom prst="rect">
+            <a:avLst/>
+          </a:prstGeom>
+          <a:noFill/>
+        </p:spPr>
+        <p:txBody>
+          <a:bodyPr rot="0" spcFirstLastPara="0" vertOverflow="overflow" horzOverflow="overflow" vert="horz" wrap="square" lIns="91440" tIns="45720" rIns="91440" bIns="45720" numCol="1" spcCol="0" rtlCol="0" fromWordArt="0" anchor="t" anchorCtr="0" forceAA="0" compatLnSpc="1">
+            <a:prstTxWarp prst="textNoShape">
+              <a:avLst/>
+            </a:prstTxWarp>
+            <a:spAutoFit/>
+          </a:bodyPr>
+          <a:lstStyle/>
+          <a:p>
+            <a:r>
+              <a:rPr lang="en-US" sz="2000" b="1" dirty="0">
+                <a:latin typeface="Georgia Pro"/>
+                <a:ea typeface="+mn-lt"/>
+                <a:cs typeface="+mn-lt"/>
+              </a:rPr>
+              <a:t>Deep Learning Wins:</a:t>
+            </a:r>
+            <a:r>
+              <a:rPr lang="en-US" sz="2000" dirty="0">
+                <a:latin typeface="Georgia Pro"/>
+                <a:ea typeface="+mn-lt"/>
+                <a:cs typeface="+mn-lt"/>
+              </a:rPr>
+              <a:t> Both Autoencoders crushed the linear baselines (PCA/NMF) in reconstructing the tissue images.</a:t>
+            </a:r>
+            <a:endParaRPr lang="en-US" sz="2000" dirty="0">
+              <a:latin typeface="Georgia Pro"/>
+            </a:endParaRPr>
+          </a:p>
+          <a:p>
+            <a:r>
+              <a:rPr lang="en-US" sz="2000" b="1" dirty="0">
+                <a:latin typeface="Georgia Pro"/>
+                <a:ea typeface="+mn-lt"/>
+                <a:cs typeface="+mn-lt"/>
+              </a:rPr>
+              <a:t>The Trade-Off:</a:t>
+            </a:r>
+            <a:endParaRPr lang="en-US" sz="2000" dirty="0">
+              <a:latin typeface="Georgia Pro"/>
+            </a:endParaRPr>
+          </a:p>
+          <a:p>
+            <a:pPr marL="285750" indent="-285750">
+              <a:buFont typeface="Arial"/>
+              <a:buChar char="•"/>
+            </a:pPr>
+            <a:r>
+              <a:rPr lang="en-US" sz="2000" b="1" dirty="0">
+                <a:latin typeface="Georgia Pro"/>
+                <a:ea typeface="+mn-lt"/>
+                <a:cs typeface="+mn-lt"/>
+              </a:rPr>
+              <a:t>CNN-AE:</a:t>
+            </a:r>
+            <a:r>
+              <a:rPr lang="en-US" sz="2000" dirty="0">
+                <a:latin typeface="Georgia Pro"/>
+                <a:ea typeface="+mn-lt"/>
+                <a:cs typeface="+mn-lt"/>
+              </a:rPr>
+              <a:t> The "Artist." It created the most beautiful, separated clusters (best for exploring data).</a:t>
+            </a:r>
+            <a:endParaRPr lang="en-US" sz="2000" dirty="0">
+              <a:latin typeface="Georgia Pro"/>
+            </a:endParaRPr>
+          </a:p>
+          <a:p>
+            <a:r>
+              <a:rPr lang="en-US" sz="2000" b="1" dirty="0">
+                <a:latin typeface="Georgia Pro"/>
+                <a:ea typeface="+mn-lt"/>
+                <a:cs typeface="+mn-lt"/>
+              </a:rPr>
+              <a:t>Fully-Connected AE:</a:t>
+            </a:r>
+            <a:r>
+              <a:rPr lang="en-US" sz="2000" dirty="0">
+                <a:latin typeface="Georgia Pro"/>
+                <a:ea typeface="+mn-lt"/>
+                <a:cs typeface="+mn-lt"/>
+              </a:rPr>
+              <a:t> The "Engineer." It was the most reliable. It reconstructed the images perfectly and was the </a:t>
+            </a:r>
+            <a:r>
+              <a:rPr lang="en-US" sz="2000" b="1" dirty="0">
+                <a:latin typeface="Georgia Pro"/>
+                <a:ea typeface="+mn-lt"/>
+                <a:cs typeface="+mn-lt"/>
+              </a:rPr>
+              <a:t>only model</a:t>
+            </a:r>
+            <a:r>
+              <a:rPr lang="en-US" sz="2000" dirty="0">
+                <a:latin typeface="Georgia Pro"/>
+                <a:ea typeface="+mn-lt"/>
+                <a:cs typeface="+mn-lt"/>
+              </a:rPr>
+              <a:t> to accurately classify disease on a completely new, unseen dataset.</a:t>
+            </a:r>
+          </a:p>
+          <a:p>
+            <a:r>
+              <a:rPr lang="en-US" sz="2000" b="1" dirty="0">
+                <a:latin typeface="Georgia Pro"/>
+                <a:ea typeface="+mn-lt"/>
+                <a:cs typeface="+mn-lt"/>
+              </a:rPr>
+              <a:t>Conclusion:</a:t>
+            </a:r>
+            <a:r>
+              <a:rPr lang="en-US" sz="2000" dirty="0">
+                <a:latin typeface="Georgia Pro"/>
+                <a:ea typeface="+mn-lt"/>
+                <a:cs typeface="+mn-lt"/>
+              </a:rPr>
+              <a:t> If you want to </a:t>
+            </a:r>
+            <a:r>
+              <a:rPr lang="en-US" sz="2000" i="1" dirty="0">
+                <a:latin typeface="Georgia Pro"/>
+                <a:ea typeface="+mn-lt"/>
+                <a:cs typeface="+mn-lt"/>
+              </a:rPr>
+              <a:t>see</a:t>
+            </a:r>
+            <a:r>
+              <a:rPr lang="en-US" sz="2000" dirty="0">
+                <a:latin typeface="Georgia Pro"/>
+                <a:ea typeface="+mn-lt"/>
+                <a:cs typeface="+mn-lt"/>
+              </a:rPr>
+              <a:t> patterns, use CNNs. If you want to </a:t>
+            </a:r>
+            <a:r>
+              <a:rPr lang="en-US" sz="2000" i="1" dirty="0">
+                <a:latin typeface="Georgia Pro"/>
+                <a:ea typeface="+mn-lt"/>
+                <a:cs typeface="+mn-lt"/>
+              </a:rPr>
+              <a:t>diagnose</a:t>
+            </a:r>
+            <a:r>
+              <a:rPr lang="en-US" sz="2000" dirty="0">
+                <a:latin typeface="Georgia Pro"/>
+                <a:ea typeface="+mn-lt"/>
+                <a:cs typeface="+mn-lt"/>
+              </a:rPr>
+              <a:t> patients on new data, use Fully-Connected AEs.</a:t>
+            </a:r>
+            <a:endParaRPr lang="en-US" sz="2000" dirty="0">
+              <a:latin typeface="Georgia Pro"/>
+            </a:endParaRPr>
+          </a:p>
+          <a:p>
+            <a:endParaRPr lang="en-US" sz="2000" dirty="0">
+              <a:latin typeface="Georgia Pro"/>
+            </a:endParaRPr>
+          </a:p>
+        </p:txBody>
+      </p:sp>
+      <p:pic>
+        <p:nvPicPr>
+          <p:cNvPr id="19" name="Graphic 18">
+            <a:extLst>
+              <a:ext uri="{FF2B5EF4-FFF2-40B4-BE49-F238E27FC236}">
+                <a16:creationId xmlns:a16="http://schemas.microsoft.com/office/drawing/2014/main" id="{1D2AB6C7-FA15-2768-F484-A01467C9CC05}"/>
               </a:ext>
             </a:extLst>
           </p:cNvPr>
@@ -6024,8 +6253,248 @@
         </p:blipFill>
         <p:spPr>
           <a:xfrm>
-            <a:off x="23671054" y="13531172"/>
-            <a:ext cx="4439413" cy="4891915"/>
+            <a:off x="7099167" y="19299084"/>
+            <a:ext cx="1496216" cy="1966354"/>
+          </a:xfrm>
+          <a:prstGeom prst="rect">
+            <a:avLst/>
+          </a:prstGeom>
+        </p:spPr>
+      </p:pic>
+      <p:sp>
+        <p:nvSpPr>
+          <p:cNvPr id="20" name="TextBox 19">
+            <a:extLst>
+              <a:ext uri="{FF2B5EF4-FFF2-40B4-BE49-F238E27FC236}">
+                <a16:creationId xmlns:a16="http://schemas.microsoft.com/office/drawing/2014/main" id="{FC4807F4-71CF-57EC-0129-39D0CC8E3F86}"/>
+              </a:ext>
+            </a:extLst>
+          </p:cNvPr>
+          <p:cNvSpPr txBox="1"/>
+          <p:nvPr/>
+        </p:nvSpPr>
+        <p:spPr>
+          <a:xfrm>
+            <a:off x="7283396" y="18337722"/>
+            <a:ext cx="6507757" cy="944890"/>
+          </a:xfrm>
+          <a:prstGeom prst="rect">
+            <a:avLst/>
+          </a:prstGeom>
+          <a:noFill/>
+        </p:spPr>
+        <p:txBody>
+          <a:bodyPr rot="0" spcFirstLastPara="0" vertOverflow="overflow" horzOverflow="overflow" vert="horz" wrap="square" lIns="91440" tIns="45720" rIns="91440" bIns="45720" numCol="1" spcCol="0" rtlCol="0" fromWordArt="0" anchor="t" anchorCtr="0" forceAA="0" compatLnSpc="1">
+            <a:prstTxWarp prst="textNoShape">
+              <a:avLst/>
+            </a:prstTxWarp>
+            <a:spAutoFit/>
+          </a:bodyPr>
+          <a:lstStyle/>
+          <a:p>
+            <a:pPr algn="l"/>
+            <a:r>
+              <a:rPr lang="en-US" dirty="0">
+                <a:latin typeface="Georgia Pro"/>
+              </a:rPr>
+              <a:t>From Spectra to Structure: Mapping latent clusters back to the tissue reveals biologically distinct regions without any human annotation.</a:t>
+            </a:r>
+          </a:p>
+        </p:txBody>
+      </p:sp>
+      <p:pic>
+        <p:nvPicPr>
+          <p:cNvPr id="21" name="Picture 20">
+            <a:extLst>
+              <a:ext uri="{FF2B5EF4-FFF2-40B4-BE49-F238E27FC236}">
+                <a16:creationId xmlns:a16="http://schemas.microsoft.com/office/drawing/2014/main" id="{FCE26242-4F99-FE65-DEAF-F1D8951770AF}"/>
+              </a:ext>
+            </a:extLst>
+          </p:cNvPr>
+          <p:cNvPicPr>
+            <a:picLocks noChangeAspect="1"/>
+          </p:cNvPicPr>
+          <p:nvPr/>
+        </p:nvPicPr>
+        <p:blipFill>
+          <a:blip r:embed="rId16"/>
+          <a:stretch>
+            <a:fillRect/>
+          </a:stretch>
+        </p:blipFill>
+        <p:spPr>
+          <a:xfrm>
+            <a:off x="7989966" y="12823212"/>
+            <a:ext cx="4289340" cy="5407018"/>
+          </a:xfrm>
+          <a:prstGeom prst="rect">
+            <a:avLst/>
+          </a:prstGeom>
+        </p:spPr>
+      </p:pic>
+      <p:pic>
+        <p:nvPicPr>
+          <p:cNvPr id="24" name="Graphic 23">
+            <a:extLst>
+              <a:ext uri="{FF2B5EF4-FFF2-40B4-BE49-F238E27FC236}">
+                <a16:creationId xmlns:a16="http://schemas.microsoft.com/office/drawing/2014/main" id="{69559B2E-D497-F067-8D63-14788188FFD6}"/>
+              </a:ext>
+            </a:extLst>
+          </p:cNvPr>
+          <p:cNvPicPr>
+            <a:picLocks noChangeAspect="1"/>
+          </p:cNvPicPr>
+          <p:nvPr/>
+        </p:nvPicPr>
+        <p:blipFill>
+          <a:blip r:embed="rId17">
+            <a:extLst>
+              <a:ext uri="{96DAC541-7B7A-43D3-8B79-37D633B846F1}">
+                <asvg:svgBlip xmlns:asvg="http://schemas.microsoft.com/office/drawing/2016/SVG/main" r:embed="rId18"/>
+              </a:ext>
+            </a:extLst>
+          </a:blip>
+          <a:stretch>
+            <a:fillRect/>
+          </a:stretch>
+        </p:blipFill>
+        <p:spPr>
+          <a:xfrm>
+            <a:off x="25250953" y="19836750"/>
+            <a:ext cx="1196621" cy="1194861"/>
+          </a:xfrm>
+          <a:prstGeom prst="rect">
+            <a:avLst/>
+          </a:prstGeom>
+        </p:spPr>
+      </p:pic>
+      <p:sp>
+        <p:nvSpPr>
+          <p:cNvPr id="32" name="Arrow: Right 31">
+            <a:extLst>
+              <a:ext uri="{FF2B5EF4-FFF2-40B4-BE49-F238E27FC236}">
+                <a16:creationId xmlns:a16="http://schemas.microsoft.com/office/drawing/2014/main" id="{72438B46-78DE-8523-F4F2-94EACB10E7AC}"/>
+              </a:ext>
+            </a:extLst>
+          </p:cNvPr>
+          <p:cNvSpPr/>
+          <p:nvPr/>
+        </p:nvSpPr>
+        <p:spPr>
+          <a:xfrm>
+            <a:off x="26301916" y="20282995"/>
+            <a:ext cx="742450" cy="349822"/>
+          </a:xfrm>
+          <a:prstGeom prst="rightArrow">
+            <a:avLst/>
+          </a:prstGeom>
+          <a:solidFill>
+            <a:schemeClr val="bg2">
+              <a:lumMod val="25000"/>
+            </a:schemeClr>
+          </a:solidFill>
+          <a:ln>
+            <a:solidFill>
+              <a:schemeClr val="tx1"/>
+            </a:solidFill>
+          </a:ln>
+        </p:spPr>
+        <p:style>
+          <a:lnRef idx="2">
+            <a:schemeClr val="accent1">
+              <a:shade val="15000"/>
+            </a:schemeClr>
+          </a:lnRef>
+          <a:fillRef idx="1">
+            <a:schemeClr val="accent1"/>
+          </a:fillRef>
+          <a:effectRef idx="0">
+            <a:schemeClr val="accent1"/>
+          </a:effectRef>
+          <a:fontRef idx="minor">
+            <a:schemeClr val="lt1"/>
+          </a:fontRef>
+        </p:style>
+        <p:txBody>
+          <a:bodyPr rtlCol="0" anchor="ctr"/>
+          <a:lstStyle/>
+          <a:p>
+            <a:pPr algn="ctr"/>
+            <a:endParaRPr lang="en-US"/>
+          </a:p>
+        </p:txBody>
+      </p:sp>
+      <p:sp>
+        <p:nvSpPr>
+          <p:cNvPr id="33" name="TextBox 32">
+            <a:extLst>
+              <a:ext uri="{FF2B5EF4-FFF2-40B4-BE49-F238E27FC236}">
+                <a16:creationId xmlns:a16="http://schemas.microsoft.com/office/drawing/2014/main" id="{278D4256-02BF-065A-254F-612D45EA3C50}"/>
+              </a:ext>
+            </a:extLst>
+          </p:cNvPr>
+          <p:cNvSpPr txBox="1"/>
+          <p:nvPr/>
+        </p:nvSpPr>
+        <p:spPr>
+          <a:xfrm>
+            <a:off x="22222404" y="20101002"/>
+            <a:ext cx="2860521" cy="646331"/>
+          </a:xfrm>
+          <a:prstGeom prst="rect">
+            <a:avLst/>
+          </a:prstGeom>
+          <a:noFill/>
+        </p:spPr>
+        <p:txBody>
+          <a:bodyPr rot="0" spcFirstLastPara="0" vertOverflow="overflow" horzOverflow="overflow" vert="horz" wrap="square" lIns="91440" tIns="45720" rIns="91440" bIns="45720" numCol="1" spcCol="0" rtlCol="0" fromWordArt="0" anchor="t" anchorCtr="0" forceAA="0" compatLnSpc="1">
+            <a:prstTxWarp prst="textNoShape">
+              <a:avLst/>
+            </a:prstTxWarp>
+            <a:spAutoFit/>
+          </a:bodyPr>
+          <a:lstStyle/>
+          <a:p>
+            <a:r>
+              <a:rPr lang="en-US" dirty="0">
+                <a:latin typeface="Georgia Pro"/>
+              </a:rPr>
+              <a:t>Markers, please scan this QR Code</a:t>
+            </a:r>
+            <a:endParaRPr lang="en-US"/>
+          </a:p>
+        </p:txBody>
+      </p:sp>
+      <p:pic>
+        <p:nvPicPr>
+          <p:cNvPr id="34" name="Graphic 33">
+            <a:extLst>
+              <a:ext uri="{FF2B5EF4-FFF2-40B4-BE49-F238E27FC236}">
+                <a16:creationId xmlns:a16="http://schemas.microsoft.com/office/drawing/2014/main" id="{DB161F55-B575-C734-1D20-C4214248B810}"/>
+              </a:ext>
+            </a:extLst>
+          </p:cNvPr>
+          <p:cNvPicPr>
+            <a:picLocks noChangeAspect="1"/>
+          </p:cNvPicPr>
+          <p:nvPr/>
+        </p:nvPicPr>
+        <p:blipFill>
+          <a:blip r:embed="rId19">
+            <a:extLst>
+              <a:ext uri="{96DAC541-7B7A-43D3-8B79-37D633B846F1}">
+                <asvg:svgBlip xmlns:asvg="http://schemas.microsoft.com/office/drawing/2016/SVG/main" r:embed="rId20"/>
+              </a:ext>
+            </a:extLst>
+          </a:blip>
+          <a:stretch>
+            <a:fillRect/>
+          </a:stretch>
+        </p:blipFill>
+        <p:spPr>
+          <a:xfrm>
+            <a:off x="10531270" y="-439723"/>
+            <a:ext cx="7031311" cy="6998625"/>
           </a:xfrm>
           <a:prstGeom prst="rect">
             <a:avLst/>

--- a/Poster.pptx
+++ b/Poster.pptx
@@ -4975,8 +4975,8 @@
         </p:nvSpPr>
         <p:spPr bwMode="auto">
           <a:xfrm>
-            <a:off x="137160" y="3920359"/>
-            <a:ext cx="6202680" cy="4355038"/>
+            <a:off x="137160" y="3889581"/>
+            <a:ext cx="6202680" cy="4416594"/>
           </a:xfrm>
           <a:prstGeom prst="rect">
             <a:avLst/>
@@ -5041,7 +5041,20 @@
               <a:tabLst/>
             </a:pPr>
             <a:r>
-              <a:rPr kumimoji="0" lang="en-US" altLang="en-US" sz="2000" b="1" i="0" u="none" strike="noStrike" cap="none" normalizeH="0" baseline="0">
+              <a:rPr kumimoji="0" lang="en-US" altLang="en-US" sz="2200" b="1" i="0" u="none" strike="noStrike" cap="none" normalizeH="0" baseline="0" dirty="0">
+                <a:ln>
+                  <a:noFill/>
+                </a:ln>
+                <a:solidFill>
+                  <a:srgbClr val="C00000"/>
+                </a:solidFill>
+                <a:effectLst/>
+                <a:latin typeface="Georgia Pro" panose="02040502050405020303" pitchFamily="18" charset="0"/>
+              </a:rPr>
+              <a:t>The Promise:</a:t>
+            </a:r>
+            <a:r>
+              <a:rPr kumimoji="0" lang="en-US" altLang="en-US" sz="2200" b="0" i="0" u="none" strike="noStrike" cap="none" normalizeH="0" baseline="0" dirty="0">
                 <a:ln>
                   <a:noFill/>
                 </a:ln>
@@ -5051,10 +5064,10 @@
                 <a:effectLst/>
                 <a:latin typeface="Georgia Pro" panose="02040502050405020303" pitchFamily="18" charset="0"/>
               </a:rPr>
-              <a:t>The Promise:</a:t>
-            </a:r>
-            <a:r>
-              <a:rPr kumimoji="0" lang="en-US" altLang="en-US" sz="2000" b="0" i="0" u="none" strike="noStrike" cap="none" normalizeH="0" baseline="0">
+              <a:t> </a:t>
+            </a:r>
+            <a:r>
+              <a:rPr kumimoji="0" lang="en-US" altLang="en-US" sz="2000" b="0" i="0" u="none" strike="noStrike" cap="none" normalizeH="0" baseline="0" dirty="0">
                 <a:ln>
                   <a:noFill/>
                 </a:ln>
@@ -5064,7 +5077,7 @@
                 <a:effectLst/>
                 <a:latin typeface="Georgia Pro" panose="02040502050405020303" pitchFamily="18" charset="0"/>
               </a:rPr>
-              <a:t> Mass Spectrometry Imaging (MSI) is revolutionizing medicine. It allows us to map the spatial distribution of molecules in tissue, aiding in disease detection (like cancer), drug monitoring, and compound annotation.</a:t>
+              <a:t>Mass Spectrometry Imaging (MSI) is revolutionizing medicine. It allows us to map the spatial distribution of molecules in tissue, aiding in disease detection (like cancer), drug monitoring, and compound annotation.</a:t>
             </a:r>
           </a:p>
           <a:p>
@@ -5085,7 +5098,20 @@
               <a:tabLst/>
             </a:pPr>
             <a:r>
-              <a:rPr kumimoji="0" lang="en-US" altLang="en-US" sz="2000" b="1" i="0" u="none" strike="noStrike" cap="none" normalizeH="0" baseline="0">
+              <a:rPr kumimoji="0" lang="en-US" altLang="en-US" sz="2200" b="1" i="0" u="none" strike="noStrike" cap="none" normalizeH="0" baseline="0" dirty="0">
+                <a:ln>
+                  <a:noFill/>
+                </a:ln>
+                <a:solidFill>
+                  <a:srgbClr val="C00000"/>
+                </a:solidFill>
+                <a:effectLst/>
+                <a:latin typeface="Georgia Pro" panose="02040502050405020303" pitchFamily="18" charset="0"/>
+              </a:rPr>
+              <a:t>The Data Structure:</a:t>
+            </a:r>
+            <a:r>
+              <a:rPr kumimoji="0" lang="en-US" altLang="en-US" sz="2200" b="0" i="0" u="none" strike="noStrike" cap="none" normalizeH="0" baseline="0" dirty="0">
                 <a:ln>
                   <a:noFill/>
                 </a:ln>
@@ -5095,10 +5121,10 @@
                 <a:effectLst/>
                 <a:latin typeface="Georgia Pro" panose="02040502050405020303" pitchFamily="18" charset="0"/>
               </a:rPr>
-              <a:t>The Data Structure:</a:t>
-            </a:r>
-            <a:r>
-              <a:rPr kumimoji="0" lang="en-US" altLang="en-US" sz="2000" b="0" i="0" u="none" strike="noStrike" cap="none" normalizeH="0" baseline="0">
+              <a:t> </a:t>
+            </a:r>
+            <a:r>
+              <a:rPr kumimoji="0" lang="en-US" altLang="en-US" sz="2000" b="0" i="0" u="none" strike="noStrike" cap="none" normalizeH="0" baseline="0" dirty="0">
                 <a:ln>
                   <a:noFill/>
                 </a:ln>
@@ -5108,15 +5134,15 @@
                 <a:effectLst/>
                 <a:latin typeface="Georgia Pro" panose="02040502050405020303" pitchFamily="18" charset="0"/>
               </a:rPr>
-              <a:t> Imagine a digital image, but instead of just Red, Green, and Blue, every single pixel contains a spectrum of thousands of chemical values. This creates a massive </a:t>
-            </a:r>
-            <a:r>
-              <a:rPr kumimoji="0" lang="en-US" altLang="en-US" sz="2000" b="1" i="0" u="none" strike="noStrike" cap="none" normalizeH="0" baseline="0">
+              <a:t>Imagine a digital image, but instead of just Red, Green, and Blue, every single pixel contains a spectrum of thousands of chemical values. This creates a massive </a:t>
+            </a:r>
+            <a:r>
+              <a:rPr kumimoji="0" lang="en-US" altLang="en-US" sz="2000" b="1" i="0" u="none" strike="noStrike" cap="none" normalizeH="0" baseline="0" dirty="0">
                 <a:ln>
                   <a:noFill/>
                 </a:ln>
                 <a:solidFill>
-                  <a:schemeClr val="tx1"/>
+                  <a:srgbClr val="00B050"/>
                 </a:solidFill>
                 <a:effectLst/>
                 <a:latin typeface="Georgia Pro" panose="02040502050405020303" pitchFamily="18" charset="0"/>
@@ -5124,7 +5150,7 @@
               <a:t>3D Data Cube</a:t>
             </a:r>
             <a:r>
-              <a:rPr kumimoji="0" lang="en-US" altLang="en-US" sz="2000" b="0" i="0" u="none" strike="noStrike" cap="none" normalizeH="0" baseline="0">
+              <a:rPr kumimoji="0" lang="en-US" altLang="en-US" sz="2000" b="0" i="0" u="none" strike="noStrike" cap="none" normalizeH="0" baseline="0" dirty="0">
                 <a:ln>
                   <a:noFill/>
                 </a:ln>
@@ -5155,7 +5181,20 @@
               <a:tabLst/>
             </a:pPr>
             <a:r>
-              <a:rPr kumimoji="0" lang="en-US" altLang="en-US" sz="2000" b="1" i="0" u="none" strike="noStrike" cap="none" normalizeH="0" baseline="0">
+              <a:rPr kumimoji="0" lang="en-US" altLang="en-US" sz="2200" b="1" i="0" u="none" strike="noStrike" cap="none" normalizeH="0" baseline="0" dirty="0">
+                <a:ln>
+                  <a:noFill/>
+                </a:ln>
+                <a:solidFill>
+                  <a:srgbClr val="C00000"/>
+                </a:solidFill>
+                <a:effectLst/>
+                <a:latin typeface="Georgia Pro" panose="02040502050405020303" pitchFamily="18" charset="0"/>
+              </a:rPr>
+              <a:t>The Bottleneck:</a:t>
+            </a:r>
+            <a:r>
+              <a:rPr kumimoji="0" lang="en-US" altLang="en-US" sz="2200" b="0" i="0" u="none" strike="noStrike" cap="none" normalizeH="0" baseline="0" dirty="0">
                 <a:ln>
                   <a:noFill/>
                 </a:ln>
@@ -5165,10 +5204,10 @@
                 <a:effectLst/>
                 <a:latin typeface="Georgia Pro" panose="02040502050405020303" pitchFamily="18" charset="0"/>
               </a:rPr>
-              <a:t>The Bottleneck:</a:t>
-            </a:r>
-            <a:r>
-              <a:rPr kumimoji="0" lang="en-US" altLang="en-US" sz="2000" b="0" i="0" u="none" strike="noStrike" cap="none" normalizeH="0" baseline="0">
+              <a:t> </a:t>
+            </a:r>
+            <a:r>
+              <a:rPr kumimoji="0" lang="en-US" altLang="en-US" sz="2000" b="0" i="0" u="none" strike="noStrike" cap="none" normalizeH="0" baseline="0" dirty="0">
                 <a:ln>
                   <a:noFill/>
                 </a:ln>
@@ -5178,7 +5217,26 @@
                 <a:effectLst/>
                 <a:latin typeface="Georgia Pro" panose="02040502050405020303" pitchFamily="18" charset="0"/>
               </a:rPr>
-              <a:t> Traditional methods struggle to handle this complexity. We need a way to compress this massive "cube" into essential features without losing the biology</a:t>
+              <a:t>Traditional methods struggle to handle this complexity</a:t>
+            </a:r>
+            <a:r>
+              <a:rPr lang="en-US" altLang="en-US" sz="2000" dirty="0">
+                <a:latin typeface="Georgia Pro" panose="02040502050405020303" pitchFamily="18" charset="0"/>
+              </a:rPr>
+              <a:t> and size</a:t>
+            </a:r>
+            <a:r>
+              <a:rPr kumimoji="0" lang="en-US" altLang="en-US" sz="2000" b="0" i="0" u="none" strike="noStrike" cap="none" normalizeH="0" baseline="0" dirty="0">
+                <a:ln>
+                  <a:noFill/>
+                </a:ln>
+                <a:solidFill>
+                  <a:schemeClr val="tx1"/>
+                </a:solidFill>
+                <a:effectLst/>
+                <a:latin typeface="Georgia Pro" panose="02040502050405020303" pitchFamily="18" charset="0"/>
+              </a:rPr>
+              <a:t>. We need a way to compress this massive "cube" into essential features without losing the biology</a:t>
             </a:r>
           </a:p>
         </p:txBody>
@@ -5235,8 +5293,8 @@
         </p:nvSpPr>
         <p:spPr bwMode="auto">
           <a:xfrm>
-            <a:off x="137160" y="9326705"/>
-            <a:ext cx="6202680" cy="5324535"/>
+            <a:off x="137160" y="9295928"/>
+            <a:ext cx="6202680" cy="5386090"/>
           </a:xfrm>
           <a:prstGeom prst="rect">
             <a:avLst/>
@@ -5300,7 +5358,7 @@
               <a:buNone/>
               <a:tabLst/>
             </a:pPr>
-            <a:endParaRPr kumimoji="0" lang="en-US" altLang="en-US" sz="2000" b="0" i="0" u="none" strike="noStrike" cap="none" normalizeH="0" baseline="0">
+            <a:endParaRPr kumimoji="0" lang="en-US" altLang="en-US" sz="2000" b="0" i="0" u="none" strike="noStrike" cap="none" normalizeH="0" baseline="0" dirty="0">
               <a:ln>
                 <a:noFill/>
               </a:ln>
@@ -5329,7 +5387,20 @@
               <a:tabLst/>
             </a:pPr>
             <a:r>
-              <a:rPr kumimoji="0" lang="en-US" altLang="en-US" sz="2000" b="1" i="0" u="none" strike="noStrike" cap="none" normalizeH="0" baseline="0">
+              <a:rPr kumimoji="0" lang="en-US" altLang="en-US" sz="2200" b="1" i="0" u="none" strike="noStrike" cap="none" normalizeH="0" baseline="0" dirty="0">
+                <a:ln>
+                  <a:noFill/>
+                </a:ln>
+                <a:solidFill>
+                  <a:srgbClr val="C00000"/>
+                </a:solidFill>
+                <a:effectLst/>
+                <a:latin typeface="Georgia Pro" panose="02040502050405020303" pitchFamily="18" charset="0"/>
+              </a:rPr>
+              <a:t>Preprocessing:</a:t>
+            </a:r>
+            <a:r>
+              <a:rPr kumimoji="0" lang="en-US" altLang="en-US" sz="2200" b="0" i="0" u="none" strike="noStrike" cap="none" normalizeH="0" baseline="0" dirty="0">
                 <a:ln>
                   <a:noFill/>
                 </a:ln>
@@ -5339,10 +5410,10 @@
                 <a:effectLst/>
                 <a:latin typeface="Georgia Pro" panose="02040502050405020303" pitchFamily="18" charset="0"/>
               </a:rPr>
-              <a:t>Preprocessing:</a:t>
-            </a:r>
-            <a:r>
-              <a:rPr kumimoji="0" lang="en-US" altLang="en-US" sz="2000" b="0" i="0" u="none" strike="noStrike" cap="none" normalizeH="0" baseline="0">
+              <a:t> </a:t>
+            </a:r>
+            <a:r>
+              <a:rPr kumimoji="0" lang="en-US" altLang="en-US" sz="2000" b="0" i="0" u="none" strike="noStrike" cap="none" normalizeH="0" baseline="0" dirty="0">
                 <a:ln>
                   <a:noFill/>
                 </a:ln>
@@ -5352,7 +5423,7 @@
                 <a:effectLst/>
                 <a:latin typeface="Georgia Pro" panose="02040502050405020303" pitchFamily="18" charset="0"/>
               </a:rPr>
-              <a:t> We cleaned the raw spectra using binning, Total Ion Current (TIC) normalization, and feature scaling to remove noise and technical artifacts.</a:t>
+              <a:t>We cleaned the raw spectra using binning, Total Ion Current (TIC) normalization, and feature scaling to remove noise and technical artifacts.</a:t>
             </a:r>
           </a:p>
           <a:p>
@@ -5373,7 +5444,20 @@
               <a:tabLst/>
             </a:pPr>
             <a:r>
-              <a:rPr kumimoji="0" lang="en-US" altLang="en-US" sz="2000" b="1" i="0" u="none" strike="noStrike" cap="none" normalizeH="0" baseline="0">
+              <a:rPr kumimoji="0" lang="en-US" altLang="en-US" sz="2200" b="1" i="0" u="none" strike="noStrike" cap="none" normalizeH="0" baseline="0" dirty="0">
+                <a:ln>
+                  <a:noFill/>
+                </a:ln>
+                <a:solidFill>
+                  <a:srgbClr val="C00000"/>
+                </a:solidFill>
+                <a:effectLst/>
+                <a:latin typeface="Georgia Pro" panose="02040502050405020303" pitchFamily="18" charset="0"/>
+              </a:rPr>
+              <a:t>The Contenders:</a:t>
+            </a:r>
+            <a:r>
+              <a:rPr kumimoji="0" lang="en-US" altLang="en-US" sz="2200" b="0" i="0" u="none" strike="noStrike" cap="none" normalizeH="0" baseline="0" dirty="0">
                 <a:ln>
                   <a:noFill/>
                 </a:ln>
@@ -5383,10 +5467,10 @@
                 <a:effectLst/>
                 <a:latin typeface="Georgia Pro" panose="02040502050405020303" pitchFamily="18" charset="0"/>
               </a:rPr>
-              <a:t>The Contenders:</a:t>
-            </a:r>
-            <a:r>
-              <a:rPr kumimoji="0" lang="en-US" altLang="en-US" sz="2000" b="0" i="0" u="none" strike="noStrike" cap="none" normalizeH="0" baseline="0">
+              <a:t> </a:t>
+            </a:r>
+            <a:r>
+              <a:rPr kumimoji="0" lang="en-US" altLang="en-US" sz="2000" b="0" i="0" u="none" strike="noStrike" cap="none" normalizeH="0" baseline="0" dirty="0">
                 <a:ln>
                   <a:noFill/>
                 </a:ln>
@@ -5396,7 +5480,7 @@
                 <a:effectLst/>
                 <a:latin typeface="Georgia Pro" panose="02040502050405020303" pitchFamily="18" charset="0"/>
               </a:rPr>
-              <a:t> We pitted deep learning against traditional math:</a:t>
+              <a:t>We pitted deep learning against traditional math:</a:t>
             </a:r>
           </a:p>
           <a:p>
@@ -5417,7 +5501,7 @@
               <a:tabLst/>
             </a:pPr>
             <a:r>
-              <a:rPr kumimoji="0" lang="en-US" altLang="en-US" sz="2000" b="0" i="1" u="none" strike="noStrike" cap="none" normalizeH="0" baseline="0">
+              <a:rPr kumimoji="0" lang="en-US" altLang="en-US" sz="2000" b="0" i="1" u="none" strike="noStrike" cap="none" normalizeH="0" baseline="0" dirty="0">
                 <a:ln>
                   <a:noFill/>
                 </a:ln>
@@ -5430,7 +5514,7 @@
               <a:t>Baselines:</a:t>
             </a:r>
             <a:r>
-              <a:rPr kumimoji="0" lang="en-US" altLang="en-US" sz="2000" b="0" i="0" u="none" strike="noStrike" cap="none" normalizeH="0" baseline="0">
+              <a:rPr kumimoji="0" lang="en-US" altLang="en-US" sz="2000" b="0" i="0" u="none" strike="noStrike" cap="none" normalizeH="0" baseline="0" dirty="0">
                 <a:ln>
                   <a:noFill/>
                 </a:ln>
@@ -5461,7 +5545,7 @@
               <a:tabLst/>
             </a:pPr>
             <a:r>
-              <a:rPr kumimoji="0" lang="en-US" altLang="en-US" sz="2000" b="0" i="1" u="none" strike="noStrike" cap="none" normalizeH="0" baseline="0">
+              <a:rPr kumimoji="0" lang="en-US" altLang="en-US" sz="2000" b="0" i="1" u="none" strike="noStrike" cap="none" normalizeH="0" baseline="0" dirty="0">
                 <a:ln>
                   <a:noFill/>
                 </a:ln>
@@ -5474,7 +5558,7 @@
               <a:t>Challengers:</a:t>
             </a:r>
             <a:r>
-              <a:rPr kumimoji="0" lang="en-US" altLang="en-US" sz="2000" b="0" i="0" u="none" strike="noStrike" cap="none" normalizeH="0" baseline="0">
+              <a:rPr kumimoji="0" lang="en-US" altLang="en-US" sz="2000" b="0" i="0" u="none" strike="noStrike" cap="none" normalizeH="0" baseline="0" dirty="0">
                 <a:ln>
                   <a:noFill/>
                 </a:ln>
@@ -5505,7 +5589,33 @@
               <a:tabLst/>
             </a:pPr>
             <a:r>
-              <a:rPr kumimoji="0" lang="en-US" altLang="en-US" sz="2000" b="1" i="0" u="none" strike="noStrike" cap="none" normalizeH="0" baseline="0">
+              <a:rPr kumimoji="0" lang="en-US" altLang="en-US" sz="2200" b="1" i="0" u="none" strike="noStrike" cap="none" normalizeH="0" baseline="0" dirty="0">
+                <a:ln>
+                  <a:noFill/>
+                </a:ln>
+                <a:solidFill>
+                  <a:srgbClr val="C00000"/>
+                </a:solidFill>
+                <a:effectLst/>
+                <a:latin typeface="Georgia Pro" panose="02040502050405020303" pitchFamily="18" charset="0"/>
+              </a:rPr>
+              <a:t>The Strategy</a:t>
+            </a:r>
+            <a:r>
+              <a:rPr kumimoji="0" lang="en-US" altLang="en-US" sz="2000" b="1" i="0" u="none" strike="noStrike" cap="none" normalizeH="0" baseline="0" dirty="0">
+                <a:ln>
+                  <a:noFill/>
+                </a:ln>
+                <a:solidFill>
+                  <a:srgbClr val="C00000"/>
+                </a:solidFill>
+                <a:effectLst/>
+                <a:latin typeface="Georgia Pro" panose="02040502050405020303" pitchFamily="18" charset="0"/>
+              </a:rPr>
+              <a:t>:</a:t>
+            </a:r>
+            <a:r>
+              <a:rPr kumimoji="0" lang="en-US" altLang="en-US" sz="2000" b="0" i="0" u="none" strike="noStrike" cap="none" normalizeH="0" baseline="0" dirty="0">
                 <a:ln>
                   <a:noFill/>
                 </a:ln>
@@ -5515,10 +5625,16 @@
                 <a:effectLst/>
                 <a:latin typeface="Georgia Pro" panose="02040502050405020303" pitchFamily="18" charset="0"/>
               </a:rPr>
-              <a:t>The Strategy:</a:t>
-            </a:r>
-            <a:r>
-              <a:rPr kumimoji="0" lang="en-US" altLang="en-US" sz="2000" b="0" i="0" u="none" strike="noStrike" cap="none" normalizeH="0" baseline="0">
+              <a:t> We trained the Neural Networks to compress the spectra into a </a:t>
+            </a:r>
+            <a:r>
+              <a:rPr lang="en-US" altLang="en-US" sz="2000" dirty="0">
+                <a:latin typeface="Georgia Pro" panose="02040502050405020303" pitchFamily="18" charset="0"/>
+              </a:rPr>
+              <a:t>small </a:t>
+            </a:r>
+            <a:r>
+              <a:rPr kumimoji="0" lang="en-US" altLang="en-US" sz="2000" b="0" i="0" u="none" strike="noStrike" cap="none" normalizeH="0" baseline="0" dirty="0">
                 <a:ln>
                   <a:noFill/>
                 </a:ln>
@@ -5528,10 +5644,23 @@
                 <a:effectLst/>
                 <a:latin typeface="Georgia Pro" panose="02040502050405020303" pitchFamily="18" charset="0"/>
               </a:rPr>
-              <a:t> We trained the Neural Networks to compress the spectra into a tiny "latent space" (200 features) and then reconstruct them. We used a special </a:t>
-            </a:r>
-            <a:r>
-              <a:rPr kumimoji="0" lang="en-US" altLang="en-US" sz="2000" b="1" i="0" u="none" strike="noStrike" cap="none" normalizeH="0" baseline="0">
+              <a:t>latent space (200 features) and then reconstruct them. We used a special </a:t>
+            </a:r>
+            <a:r>
+              <a:rPr kumimoji="0" lang="en-US" altLang="en-US" sz="2000" b="1" i="0" u="none" strike="noStrike" cap="none" normalizeH="0" baseline="0" dirty="0">
+                <a:ln>
+                  <a:noFill/>
+                </a:ln>
+                <a:solidFill>
+                  <a:srgbClr val="00B050"/>
+                </a:solidFill>
+                <a:effectLst/>
+                <a:latin typeface="Georgia Pro" panose="02040502050405020303" pitchFamily="18" charset="0"/>
+              </a:rPr>
+              <a:t>Weighted MSE Loss</a:t>
+            </a:r>
+            <a:r>
+              <a:rPr kumimoji="0" lang="en-US" altLang="en-US" sz="2000" b="0" i="0" u="none" strike="noStrike" cap="none" normalizeH="0" baseline="0" dirty="0">
                 <a:ln>
                   <a:noFill/>
                 </a:ln>
@@ -5541,20 +5670,7 @@
                 <a:effectLst/>
                 <a:latin typeface="Georgia Pro" panose="02040502050405020303" pitchFamily="18" charset="0"/>
               </a:rPr>
-              <a:t>Weighted MSE Loss</a:t>
-            </a:r>
-            <a:r>
-              <a:rPr kumimoji="0" lang="en-US" altLang="en-US" sz="2000" b="0" i="0" u="none" strike="noStrike" cap="none" normalizeH="0" baseline="0">
-                <a:ln>
-                  <a:noFill/>
-                </a:ln>
-                <a:solidFill>
-                  <a:schemeClr val="tx1"/>
-                </a:solidFill>
-                <a:effectLst/>
-                <a:latin typeface="Georgia Pro" panose="02040502050405020303" pitchFamily="18" charset="0"/>
-              </a:rPr>
-              <a:t> to force the AI to focus on chemical peaks, not just empty space.</a:t>
+              <a:t> to force the models to focus on chemical peaks, not just space.</a:t>
             </a:r>
           </a:p>
           <a:p>
@@ -5574,7 +5690,7 @@
               <a:buNone/>
               <a:tabLst/>
             </a:pPr>
-            <a:endParaRPr kumimoji="0" lang="en-US" altLang="en-US" sz="2000" b="0" i="0" u="none" strike="noStrike" cap="none" normalizeH="0" baseline="0">
+            <a:endParaRPr kumimoji="0" lang="en-US" altLang="en-US" sz="2000" b="0" i="0" u="none" strike="noStrike" cap="none" normalizeH="0" baseline="0" dirty="0">
               <a:ln>
                 <a:noFill/>
               </a:ln>
@@ -5648,7 +5764,7 @@
         <p:spPr>
           <a:xfrm>
             <a:off x="7275060" y="12172395"/>
-            <a:ext cx="5729887" cy="369332"/>
+            <a:ext cx="5729887" cy="400110"/>
           </a:xfrm>
           <a:prstGeom prst="rect">
             <a:avLst/>
@@ -5662,12 +5778,12 @@
           <a:lstStyle/>
           <a:p>
             <a:r>
-              <a:rPr lang="en-GB">
+              <a:rPr lang="en-GB" sz="2000" dirty="0">
                 <a:latin typeface="Georgia Pro" panose="02040502050405020303" pitchFamily="18" charset="0"/>
               </a:rPr>
               <a:t>Raw cancer tissue section at m/z ratio 390 Da. </a:t>
             </a:r>
-            <a:endParaRPr lang="en-ZA">
+            <a:endParaRPr lang="en-ZA" sz="2000" dirty="0">
               <a:latin typeface="Georgia Pro" panose="02040502050405020303" pitchFamily="18" charset="0"/>
             </a:endParaRPr>
           </a:p>
@@ -5725,7 +5841,7 @@
         <p:spPr>
           <a:xfrm>
             <a:off x="15142369" y="12033895"/>
-            <a:ext cx="5729887" cy="646331"/>
+            <a:ext cx="5729887" cy="707886"/>
           </a:xfrm>
           <a:prstGeom prst="rect">
             <a:avLst/>
@@ -5739,13 +5855,13 @@
           <a:lstStyle/>
           <a:p>
             <a:r>
-              <a:rPr lang="en-GB">
+              <a:rPr lang="en-GB" sz="2000" dirty="0">
                 <a:latin typeface="Georgia Pro" panose="02040502050405020303" pitchFamily="18" charset="0"/>
               </a:rPr>
               <a:t>Autoencoder architecture (</a:t>
             </a:r>
             <a:r>
-              <a:rPr lang="en-GB">
+              <a:rPr lang="en-GB" sz="2000" dirty="0">
                 <a:solidFill>
                   <a:srgbClr val="C00000"/>
                 </a:solidFill>
@@ -5754,13 +5870,13 @@
               <a:t>Encoder </a:t>
             </a:r>
             <a:r>
-              <a:rPr lang="en-GB">
+              <a:rPr lang="en-GB" sz="2000" dirty="0">
                 <a:latin typeface="Georgia Pro" panose="02040502050405020303" pitchFamily="18" charset="0"/>
               </a:rPr>
               <a:t>-&gt; </a:t>
             </a:r>
             <a:r>
-              <a:rPr lang="en-GB">
+              <a:rPr lang="en-GB" sz="2000" dirty="0">
                 <a:solidFill>
                   <a:srgbClr val="0070C0"/>
                 </a:solidFill>
@@ -5769,13 +5885,13 @@
               <a:t>Latent Space</a:t>
             </a:r>
             <a:r>
-              <a:rPr lang="en-GB">
+              <a:rPr lang="en-GB" sz="2000" dirty="0">
                 <a:latin typeface="Georgia Pro" panose="02040502050405020303" pitchFamily="18" charset="0"/>
               </a:rPr>
               <a:t> -&gt; </a:t>
             </a:r>
             <a:r>
-              <a:rPr lang="en-GB">
+              <a:rPr lang="en-GB" sz="2000" dirty="0">
                 <a:solidFill>
                   <a:srgbClr val="00B050"/>
                 </a:solidFill>
@@ -5784,12 +5900,12 @@
               <a:t>Decoder</a:t>
             </a:r>
             <a:r>
-              <a:rPr lang="en-GB">
+              <a:rPr lang="en-GB" sz="2000" dirty="0">
                 <a:latin typeface="Georgia Pro" panose="02040502050405020303" pitchFamily="18" charset="0"/>
               </a:rPr>
               <a:t>) </a:t>
             </a:r>
-            <a:endParaRPr lang="en-ZA">
+            <a:endParaRPr lang="en-ZA" sz="2000" dirty="0">
               <a:latin typeface="Georgia Pro" panose="02040502050405020303" pitchFamily="18" charset="0"/>
             </a:endParaRPr>
           </a:p>
@@ -5853,7 +5969,7 @@
         <p:spPr>
           <a:xfrm>
             <a:off x="15125350" y="18346669"/>
-            <a:ext cx="6522551" cy="923330"/>
+            <a:ext cx="6522551" cy="1015663"/>
           </a:xfrm>
           <a:prstGeom prst="rect">
             <a:avLst/>
@@ -5867,12 +5983,12 @@
           <a:lstStyle/>
           <a:p>
             <a:r>
-              <a:rPr lang="en-GB">
+              <a:rPr lang="en-GB" sz="2000" dirty="0">
                 <a:latin typeface="Georgia Pro" panose="02040502050405020303" pitchFamily="18" charset="0"/>
               </a:rPr>
               <a:t>Generalization to Unseen Data: The Fully-Connected AE achieves the highest predictive performance (AUC 0.87), proving it captures robust, transferable features.</a:t>
             </a:r>
-            <a:endParaRPr lang="en-ZA">
+            <a:endParaRPr lang="en-ZA" sz="2000" dirty="0">
               <a:latin typeface="Georgia Pro" panose="02040502050405020303" pitchFamily="18" charset="0"/>
             </a:endParaRPr>
           </a:p>
@@ -5936,7 +6052,7 @@
         <p:spPr>
           <a:xfrm>
             <a:off x="22989146" y="12172395"/>
-            <a:ext cx="5750419" cy="923330"/>
+            <a:ext cx="5750419" cy="1015663"/>
           </a:xfrm>
           <a:prstGeom prst="rect">
             <a:avLst/>
@@ -5950,12 +6066,12 @@
           <a:lstStyle/>
           <a:p>
             <a:r>
-              <a:rPr lang="en-GB">
+              <a:rPr lang="en-GB" sz="2000" dirty="0">
                 <a:latin typeface="Georgia Pro" panose="02040502050405020303" pitchFamily="18" charset="0"/>
               </a:rPr>
               <a:t>The t-SNE plot of the CNN-AE (the one with distinct islands). The CNN-AE separates biochemical profiles into distinct, clean clusters.</a:t>
             </a:r>
-            <a:endParaRPr lang="en-ZA">
+            <a:endParaRPr lang="en-ZA" sz="2000" dirty="0">
               <a:latin typeface="Georgia Pro" panose="02040502050405020303" pitchFamily="18" charset="0"/>
             </a:endParaRPr>
           </a:p>
@@ -6012,7 +6128,7 @@
         <p:spPr>
           <a:xfrm>
             <a:off x="23041859" y="18489125"/>
-            <a:ext cx="6062998" cy="646331"/>
+            <a:ext cx="6062998" cy="707886"/>
           </a:xfrm>
           <a:prstGeom prst="rect">
             <a:avLst/>
@@ -6029,14 +6145,14 @@
           <a:lstStyle/>
           <a:p>
             <a:r>
-              <a:rPr lang="en-US" dirty="0">
+              <a:rPr lang="en-US" sz="2000" dirty="0">
                 <a:latin typeface="Georgia Pro"/>
                 <a:ea typeface="+mn-lt"/>
                 <a:cs typeface="+mn-lt"/>
               </a:rPr>
               <a:t>The first deep representation learning benchmark for MSI in the African context!</a:t>
             </a:r>
-            <a:endParaRPr lang="en-US" dirty="0">
+            <a:endParaRPr lang="en-US" sz="2000" dirty="0">
               <a:latin typeface="Georgia Pro"/>
             </a:endParaRPr>
           </a:p>
@@ -6057,7 +6173,7 @@
         <p:spPr>
           <a:xfrm>
             <a:off x="129298" y="15730258"/>
-            <a:ext cx="6356775" cy="4708981"/>
+            <a:ext cx="6356775" cy="4462760"/>
           </a:xfrm>
           <a:prstGeom prst="rect">
             <a:avLst/>
@@ -6074,7 +6190,10 @@
           <a:lstStyle/>
           <a:p>
             <a:r>
-              <a:rPr lang="en-US" sz="2000" b="1" dirty="0">
+              <a:rPr lang="en-US" sz="2200" b="1" dirty="0">
+                <a:solidFill>
+                  <a:srgbClr val="C00000"/>
+                </a:solidFill>
                 <a:latin typeface="Georgia Pro"/>
                 <a:ea typeface="+mn-lt"/>
                 <a:cs typeface="+mn-lt"/>
@@ -6096,6 +6215,9 @@
           <a:p>
             <a:r>
               <a:rPr lang="en-US" sz="2000" b="1" dirty="0">
+                <a:solidFill>
+                  <a:srgbClr val="C00000"/>
+                </a:solidFill>
                 <a:latin typeface="Georgia Pro"/>
                 <a:ea typeface="+mn-lt"/>
                 <a:cs typeface="+mn-lt"/>
@@ -6103,6 +6225,9 @@
               <a:t>The Trade-Off:</a:t>
             </a:r>
             <a:endParaRPr lang="en-US" sz="2000" dirty="0">
+              <a:solidFill>
+                <a:srgbClr val="C00000"/>
+              </a:solidFill>
               <a:latin typeface="Georgia Pro"/>
             </a:endParaRPr>
           </a:p>
@@ -6111,13 +6236,60 @@
               <a:buFont typeface="Arial"/>
               <a:buChar char="•"/>
             </a:pPr>
+            <a:r>
+              <a:rPr lang="en-US" sz="2000" b="1" dirty="0">
+                <a:solidFill>
+                  <a:srgbClr val="00B050"/>
+                </a:solidFill>
+                <a:latin typeface="Georgia Pro"/>
+                <a:ea typeface="+mn-lt"/>
+                <a:cs typeface="+mn-lt"/>
+              </a:rPr>
+              <a:t>CNN-AE:</a:t>
+            </a:r>
+            <a:r>
+              <a:rPr lang="en-US" sz="2000" dirty="0">
+                <a:latin typeface="Georgia Pro"/>
+                <a:ea typeface="+mn-lt"/>
+                <a:cs typeface="+mn-lt"/>
+              </a:rPr>
+              <a:t> Creates the most beautiful, separated clusters (best for exploring data).</a:t>
+            </a:r>
+            <a:endParaRPr lang="en-US" sz="2000" dirty="0">
+              <a:latin typeface="Georgia Pro"/>
+            </a:endParaRPr>
+          </a:p>
+          <a:p>
+            <a:pPr marL="342900" indent="-342900">
+              <a:buFont typeface="Arial" panose="020B0604020202020204" pitchFamily="34" charset="0"/>
+              <a:buChar char="•"/>
+            </a:pPr>
+            <a:r>
+              <a:rPr lang="en-US" sz="2000" b="1" dirty="0">
+                <a:solidFill>
+                  <a:srgbClr val="00B050"/>
+                </a:solidFill>
+                <a:latin typeface="Georgia Pro"/>
+                <a:ea typeface="+mn-lt"/>
+                <a:cs typeface="+mn-lt"/>
+              </a:rPr>
+              <a:t>Fully-Connected AE:</a:t>
+            </a:r>
+            <a:r>
+              <a:rPr lang="en-US" sz="2000" dirty="0">
+                <a:latin typeface="Georgia Pro"/>
+                <a:ea typeface="+mn-lt"/>
+                <a:cs typeface="+mn-lt"/>
+              </a:rPr>
+              <a:t> It was the most reliable. It reconstructed the images perfectly and was the </a:t>
+            </a:r>
             <a:r>
               <a:rPr lang="en-US" sz="2000" b="1" dirty="0">
                 <a:latin typeface="Georgia Pro"/>
                 <a:ea typeface="+mn-lt"/>
                 <a:cs typeface="+mn-lt"/>
               </a:rPr>
-              <a:t>CNN-AE:</a:t>
+              <a:t>best model </a:t>
             </a:r>
             <a:r>
               <a:rPr lang="en-US" sz="2000" dirty="0">
@@ -6125,20 +6297,28 @@
                 <a:ea typeface="+mn-lt"/>
                 <a:cs typeface="+mn-lt"/>
               </a:rPr>
-              <a:t> The "Artist." It created the most beautiful, separated clusters (best for exploring data).</a:t>
-            </a:r>
-            <a:endParaRPr lang="en-US" sz="2000" dirty="0">
-              <a:latin typeface="Georgia Pro"/>
-            </a:endParaRPr>
-          </a:p>
-          <a:p>
+              <a:t>to classify disease on a completely new, unseen dataset.</a:t>
+            </a:r>
+          </a:p>
+          <a:p>
+            <a:r>
+              <a:rPr lang="en-US" sz="2200" b="1" dirty="0">
+                <a:solidFill>
+                  <a:srgbClr val="C00000"/>
+                </a:solidFill>
+                <a:latin typeface="Georgia Pro"/>
+                <a:ea typeface="+mn-lt"/>
+                <a:cs typeface="+mn-lt"/>
+              </a:rPr>
+              <a:t>Conclusion</a:t>
+            </a:r>
             <a:r>
               <a:rPr lang="en-US" sz="2000" b="1" dirty="0">
                 <a:latin typeface="Georgia Pro"/>
                 <a:ea typeface="+mn-lt"/>
                 <a:cs typeface="+mn-lt"/>
               </a:rPr>
-              <a:t>Fully-Connected AE:</a:t>
+              <a:t>:</a:t>
             </a:r>
             <a:r>
               <a:rPr lang="en-US" sz="2000" dirty="0">
@@ -6146,15 +6326,13 @@
                 <a:ea typeface="+mn-lt"/>
                 <a:cs typeface="+mn-lt"/>
               </a:rPr>
-              <a:t> The "Engineer." It was the most reliable. It reconstructed the images perfectly and was the </a:t>
-            </a:r>
-            <a:r>
-              <a:rPr lang="en-US" sz="2000" b="1" dirty="0">
-                <a:latin typeface="Georgia Pro"/>
-                <a:ea typeface="+mn-lt"/>
-                <a:cs typeface="+mn-lt"/>
+              <a:t> </a:t>
+            </a:r>
+            <a:r>
+              <a:rPr lang="en-US" sz="2000" dirty="0">
+                <a:latin typeface="Georgia Pro" panose="02040502050405020303" pitchFamily="18" charset="0"/>
               </a:rPr>
-              <a:t>only model</a:t>
+              <a:t>To identify patterns, utilize</a:t>
             </a:r>
             <a:r>
               <a:rPr lang="en-US" sz="2000" dirty="0">
@@ -6162,41 +6340,7 @@
                 <a:ea typeface="+mn-lt"/>
                 <a:cs typeface="+mn-lt"/>
               </a:rPr>
-              <a:t> to accurately classify disease on a completely new, unseen dataset.</a:t>
-            </a:r>
-          </a:p>
-          <a:p>
-            <a:r>
-              <a:rPr lang="en-US" sz="2000" b="1" dirty="0">
-                <a:latin typeface="Georgia Pro"/>
-                <a:ea typeface="+mn-lt"/>
-                <a:cs typeface="+mn-lt"/>
-              </a:rPr>
-              <a:t>Conclusion:</a:t>
-            </a:r>
-            <a:r>
-              <a:rPr lang="en-US" sz="2000" dirty="0">
-                <a:latin typeface="Georgia Pro"/>
-                <a:ea typeface="+mn-lt"/>
-                <a:cs typeface="+mn-lt"/>
-              </a:rPr>
-              <a:t> If you want to </a:t>
-            </a:r>
-            <a:r>
-              <a:rPr lang="en-US" sz="2000" i="1" dirty="0">
-                <a:latin typeface="Georgia Pro"/>
-                <a:ea typeface="+mn-lt"/>
-                <a:cs typeface="+mn-lt"/>
-              </a:rPr>
-              <a:t>see</a:t>
-            </a:r>
-            <a:r>
-              <a:rPr lang="en-US" sz="2000" dirty="0">
-                <a:latin typeface="Georgia Pro"/>
-                <a:ea typeface="+mn-lt"/>
-                <a:cs typeface="+mn-lt"/>
-              </a:rPr>
-              <a:t> patterns, use CNNs. If you want to </a:t>
+              <a:t> CNNs. If you’re going to </a:t>
             </a:r>
             <a:r>
               <a:rPr lang="en-US" sz="2000" i="1" dirty="0">
@@ -6275,8 +6419,8 @@
         </p:nvSpPr>
         <p:spPr>
           <a:xfrm>
-            <a:off x="7283396" y="18337722"/>
-            <a:ext cx="6507757" cy="944890"/>
+            <a:off x="7277391" y="18283421"/>
+            <a:ext cx="6507757" cy="1015663"/>
           </a:xfrm>
           <a:prstGeom prst="rect">
             <a:avLst/>
@@ -6294,7 +6438,7 @@
           <a:p>
             <a:pPr algn="l"/>
             <a:r>
-              <a:rPr lang="en-US" dirty="0">
+              <a:rPr lang="en-US" sz="2000" dirty="0">
                 <a:latin typeface="Georgia Pro"/>
               </a:rPr>
               <a:t>From Spectra to Structure: Mapping latent clusters back to the tissue reveals biologically distinct regions without any human annotation.</a:t>
@@ -6330,6 +6474,13 @@
           <a:prstGeom prst="rect">
             <a:avLst/>
           </a:prstGeom>
+          <a:effectLst>
+            <a:outerShdw blurRad="63500" sx="102000" sy="102000" algn="ctr" rotWithShape="0">
+              <a:prstClr val="black">
+                <a:alpha val="40000"/>
+              </a:prstClr>
+            </a:outerShdw>
+          </a:effectLst>
         </p:spPr>
       </p:pic>
       <p:pic>
